--- a/src/docs/Decision Intelligence Application.pptx
+++ b/src/docs/Decision Intelligence Application.pptx
@@ -294,7 +294,7 @@
       </p15:sldGuideLst>
     </p:ext>
     <p:ext uri="http://customooxmlschemas.google.com/">
-      <go:slidesCustomData xmlns:go="http://customooxmlschemas.google.com/" r:id="rId33" roundtripDataSignature="AMtx7mhda2S79oJEy9UAY7mNPpEvjT5rYg=="/>
+      <go:slidesCustomData xmlns:go="http://customooxmlschemas.google.com/" r:id="rId33" roundtripDataSignature="AMtx7mg7wR0bHthrC0yvlacGpTdb05ICjA=="/>
     </p:ext>
   </p:extLst>
 </p:presentation>
@@ -1616,7 +1616,7 @@
   <p:cSld>
     <p:spTree>
       <p:nvGrpSpPr>
-        <p:cNvPr id="174" name="Shape 174"/>
+        <p:cNvPr id="175" name="Shape 175"/>
         <p:cNvGrpSpPr/>
         <p:nvPr/>
       </p:nvGrpSpPr>
@@ -1630,7 +1630,7 @@
       </p:grpSpPr>
       <p:sp>
         <p:nvSpPr>
-          <p:cNvPr id="175" name="Google Shape;175;g18944ca1100_0_376:notes"/>
+          <p:cNvPr id="176" name="Google Shape;176;g18944ca1100_0_376:notes"/>
           <p:cNvSpPr/>
           <p:nvPr>
             <p:ph idx="2" type="sldImg"/>
@@ -1675,7 +1675,7 @@
       </p:sp>
       <p:sp>
         <p:nvSpPr>
-          <p:cNvPr id="176" name="Google Shape;176;g18944ca1100_0_376:notes"/>
+          <p:cNvPr id="177" name="Google Shape;177;g18944ca1100_0_376:notes"/>
           <p:cNvSpPr txBox="1"/>
           <p:nvPr>
             <p:ph idx="1" type="body"/>
@@ -1733,7 +1733,7 @@
   <p:cSld>
     <p:spTree>
       <p:nvGrpSpPr>
-        <p:cNvPr id="180" name="Shape 180"/>
+        <p:cNvPr id="181" name="Shape 181"/>
         <p:cNvGrpSpPr/>
         <p:nvPr/>
       </p:nvGrpSpPr>
@@ -1747,7 +1747,7 @@
       </p:grpSpPr>
       <p:sp>
         <p:nvSpPr>
-          <p:cNvPr id="181" name="Google Shape;181;g18944ca1100_0_371:notes"/>
+          <p:cNvPr id="182" name="Google Shape;182;g18944ca1100_0_371:notes"/>
           <p:cNvSpPr/>
           <p:nvPr>
             <p:ph idx="2" type="sldImg"/>
@@ -1792,7 +1792,7 @@
       </p:sp>
       <p:sp>
         <p:nvSpPr>
-          <p:cNvPr id="182" name="Google Shape;182;g18944ca1100_0_371:notes"/>
+          <p:cNvPr id="183" name="Google Shape;183;g18944ca1100_0_371:notes"/>
           <p:cNvSpPr txBox="1"/>
           <p:nvPr>
             <p:ph idx="1" type="body"/>
@@ -2125,7 +2125,7 @@
   <p:cSld>
     <p:spTree>
       <p:nvGrpSpPr>
-        <p:cNvPr id="71" name="Shape 71"/>
+        <p:cNvPr id="72" name="Shape 72"/>
         <p:cNvGrpSpPr/>
         <p:nvPr/>
       </p:nvGrpSpPr>
@@ -2139,7 +2139,7 @@
       </p:grpSpPr>
       <p:sp>
         <p:nvSpPr>
-          <p:cNvPr id="72" name="Google Shape;72;g133c1f20611_0_10:notes"/>
+          <p:cNvPr id="73" name="Google Shape;73;g133c1f20611_0_10:notes"/>
           <p:cNvSpPr/>
           <p:nvPr>
             <p:ph idx="2" type="sldImg"/>
@@ -2184,7 +2184,7 @@
       </p:sp>
       <p:sp>
         <p:nvSpPr>
-          <p:cNvPr id="73" name="Google Shape;73;g133c1f20611_0_10:notes"/>
+          <p:cNvPr id="74" name="Google Shape;74;g133c1f20611_0_10:notes"/>
           <p:cNvSpPr txBox="1"/>
           <p:nvPr>
             <p:ph idx="1" type="body"/>
@@ -2259,7 +2259,7 @@
   <p:cSld>
     <p:spTree>
       <p:nvGrpSpPr>
-        <p:cNvPr id="77" name="Shape 77"/>
+        <p:cNvPr id="79" name="Shape 79"/>
         <p:cNvGrpSpPr/>
         <p:nvPr/>
       </p:nvGrpSpPr>
@@ -2273,7 +2273,7 @@
       </p:grpSpPr>
       <p:sp>
         <p:nvSpPr>
-          <p:cNvPr id="78" name="Google Shape;78;g133c1f20611_0_15:notes"/>
+          <p:cNvPr id="80" name="Google Shape;80;g133c1f20611_0_15:notes"/>
           <p:cNvSpPr/>
           <p:nvPr>
             <p:ph idx="2" type="sldImg"/>
@@ -2318,7 +2318,7 @@
       </p:sp>
       <p:sp>
         <p:nvSpPr>
-          <p:cNvPr id="79" name="Google Shape;79;g133c1f20611_0_15:notes"/>
+          <p:cNvPr id="81" name="Google Shape;81;g133c1f20611_0_15:notes"/>
           <p:cNvSpPr txBox="1"/>
           <p:nvPr>
             <p:ph idx="1" type="body"/>
@@ -2376,7 +2376,7 @@
   <p:cSld>
     <p:spTree>
       <p:nvGrpSpPr>
-        <p:cNvPr id="84" name="Shape 84"/>
+        <p:cNvPr id="86" name="Shape 86"/>
         <p:cNvGrpSpPr/>
         <p:nvPr/>
       </p:nvGrpSpPr>
@@ -2390,7 +2390,7 @@
       </p:grpSpPr>
       <p:sp>
         <p:nvSpPr>
-          <p:cNvPr id="85" name="Google Shape;85;g18940af33f5_0_9:notes"/>
+          <p:cNvPr id="87" name="Google Shape;87;g18940af33f5_0_9:notes"/>
           <p:cNvSpPr/>
           <p:nvPr>
             <p:ph idx="2" type="sldImg"/>
@@ -2435,7 +2435,7 @@
       </p:sp>
       <p:sp>
         <p:nvSpPr>
-          <p:cNvPr id="86" name="Google Shape;86;g18940af33f5_0_9:notes"/>
+          <p:cNvPr id="88" name="Google Shape;88;g18940af33f5_0_9:notes"/>
           <p:cNvSpPr txBox="1"/>
           <p:nvPr>
             <p:ph idx="1" type="body"/>
@@ -2610,7 +2610,7 @@
   <p:cSld>
     <p:spTree>
       <p:nvGrpSpPr>
-        <p:cNvPr id="126" name="Shape 126"/>
+        <p:cNvPr id="125" name="Shape 125"/>
         <p:cNvGrpSpPr/>
         <p:nvPr/>
       </p:nvGrpSpPr>
@@ -2624,7 +2624,7 @@
       </p:grpSpPr>
       <p:sp>
         <p:nvSpPr>
-          <p:cNvPr id="127" name="Google Shape;127;g18944ca1100_0_334:notes"/>
+          <p:cNvPr id="126" name="Google Shape;126;g18944ca1100_0_334:notes"/>
           <p:cNvSpPr/>
           <p:nvPr>
             <p:ph idx="2" type="sldImg"/>
@@ -2669,7 +2669,7 @@
       </p:sp>
       <p:sp>
         <p:nvSpPr>
-          <p:cNvPr id="128" name="Google Shape;128;g18944ca1100_0_334:notes"/>
+          <p:cNvPr id="127" name="Google Shape;127;g18944ca1100_0_334:notes"/>
           <p:cNvSpPr txBox="1"/>
           <p:nvPr>
             <p:ph idx="1" type="body"/>
@@ -8973,7 +8973,7 @@
                 <a:cs typeface="Proxima Nova"/>
                 <a:sym typeface="Proxima Nova"/>
               </a:rPr>
-              <a:t>Daniele D’Avino - MLE10</a:t>
+              <a:t>Daniele D’Avino - MLE10 - Industry Project</a:t>
             </a:r>
             <a:endParaRPr sz="2000"/>
           </a:p>
@@ -9335,7 +9335,7 @@
             </a:pPr>
             <a:r>
               <a:rPr lang="en-US" sz="1800"/>
-              <a:t>Not having worked on an "official" dataset, the presented framework is more a </a:t>
+              <a:t>The presented framework is a </a:t>
             </a:r>
             <a:r>
               <a:rPr b="1" lang="en-US" sz="1800"/>
@@ -9343,7 +9343,15 @@
             </a:r>
             <a:r>
               <a:rPr lang="en-US" sz="1800"/>
-              <a:t> that can be applied, maintained, and adapted to the data model of future consideration.</a:t>
+              <a:t> that can be applied, maintained, and adapted to the true data model of </a:t>
+            </a:r>
+            <a:r>
+              <a:rPr lang="en-US" sz="1800"/>
+              <a:t>future </a:t>
+            </a:r>
+            <a:r>
+              <a:rPr lang="en-US" sz="1800"/>
+              <a:t>consideration.</a:t>
             </a:r>
             <a:endParaRPr sz="1800"/>
           </a:p>
@@ -9792,7 +9800,46 @@
             </a:pPr>
             <a:r>
               <a:rPr lang="en-US"/>
-              <a:t>Thank you for listening and for the wonderful opportunity, God bless you</a:t>
+              <a:t>Thank you for listening and for the wonderful opportunity!</a:t>
+            </a:r>
+            <a:endParaRPr/>
+          </a:p>
+          <a:p>
+            <a:pPr indent="0" lvl="0" marL="0" rtl="0" algn="ctr">
+              <a:lnSpc>
+                <a:spcPct val="100000"/>
+              </a:lnSpc>
+              <a:spcBef>
+                <a:spcPts val="0"/>
+              </a:spcBef>
+              <a:spcAft>
+                <a:spcPts val="0"/>
+              </a:spcAft>
+              <a:buSzPts val="3600"/>
+              <a:buNone/>
+            </a:pPr>
+            <a:r>
+              <a:t/>
+            </a:r>
+            <a:endParaRPr/>
+          </a:p>
+          <a:p>
+            <a:pPr indent="0" lvl="0" marL="0" rtl="0" algn="ctr">
+              <a:lnSpc>
+                <a:spcPct val="100000"/>
+              </a:lnSpc>
+              <a:spcBef>
+                <a:spcPts val="0"/>
+              </a:spcBef>
+              <a:spcAft>
+                <a:spcPts val="0"/>
+              </a:spcAft>
+              <a:buSzPts val="3600"/>
+              <a:buNone/>
+            </a:pPr>
+            <a:r>
+              <a:rPr lang="en-US"/>
+              <a:t>God bless you</a:t>
             </a:r>
             <a:r>
               <a:rPr lang="en-US"/>
@@ -10248,7 +10295,7 @@
             </a:pPr>
             <a:r>
               <a:rPr lang="en-US" sz="1500"/>
-              <a:t>Imputation and Scaling for continuous and categorical on training features for avoiding </a:t>
+              <a:t>Imputation and Scaling for continuous and categorical variables on training set for avoiding </a:t>
             </a:r>
             <a:r>
               <a:rPr b="1" lang="en-US" sz="1500"/>
@@ -10284,7 +10331,62 @@
             </a:r>
             <a:r>
               <a:rPr lang="en-US" sz="1500"/>
-              <a:t> with Grid Search and Cross-Validation</a:t>
+              <a:t> with Grid Search and Cross-Validation. These are the results on the test set:</a:t>
+            </a:r>
+            <a:endParaRPr sz="1500"/>
+          </a:p>
+          <a:p>
+            <a:pPr indent="0" lvl="0" marL="457200" rtl="0" algn="l">
+              <a:lnSpc>
+                <a:spcPct val="115000"/>
+              </a:lnSpc>
+              <a:spcBef>
+                <a:spcPts val="0"/>
+              </a:spcBef>
+              <a:spcAft>
+                <a:spcPts val="0"/>
+              </a:spcAft>
+              <a:buNone/>
+            </a:pPr>
+            <a:r>
+              <a:rPr lang="en-US" sz="1500"/>
+              <a:t> </a:t>
+            </a:r>
+            <a:endParaRPr sz="1500"/>
+          </a:p>
+          <a:p>
+            <a:pPr indent="0" lvl="0" marL="457200" rtl="0" algn="l">
+              <a:lnSpc>
+                <a:spcPct val="115000"/>
+              </a:lnSpc>
+              <a:spcBef>
+                <a:spcPts val="0"/>
+              </a:spcBef>
+              <a:spcAft>
+                <a:spcPts val="0"/>
+              </a:spcAft>
+              <a:buNone/>
+            </a:pPr>
+            <a:r>
+              <a:t/>
+            </a:r>
+            <a:endParaRPr sz="1500"/>
+          </a:p>
+          <a:p>
+            <a:pPr indent="0" lvl="0" marL="457200" rtl="0" algn="l">
+              <a:lnSpc>
+                <a:spcPct val="115000"/>
+              </a:lnSpc>
+              <a:spcBef>
+                <a:spcPts val="0"/>
+              </a:spcBef>
+              <a:spcAft>
+                <a:spcPts val="0"/>
+              </a:spcAft>
+              <a:buNone/>
+            </a:pPr>
+            <a:r>
+              <a:t/>
             </a:r>
             <a:endParaRPr sz="1500"/>
           </a:p>
@@ -10338,6 +10440,34 @@
           </a:p>
         </p:txBody>
       </p:sp>
+      <p:pic>
+        <p:nvPicPr>
+          <p:cNvPr id="174" name="Google Shape;174;g18944ca1100_0_381"/>
+          <p:cNvPicPr preferRelativeResize="0"/>
+          <p:nvPr/>
+        </p:nvPicPr>
+        <p:blipFill>
+          <a:blip r:embed="rId3">
+            <a:alphaModFix/>
+          </a:blip>
+          <a:stretch>
+            <a:fillRect/>
+          </a:stretch>
+        </p:blipFill>
+        <p:spPr>
+          <a:xfrm>
+            <a:off x="2812246" y="2980600"/>
+            <a:ext cx="3519500" cy="772950"/>
+          </a:xfrm>
+          <a:prstGeom prst="rect">
+            <a:avLst/>
+          </a:prstGeom>
+          <a:noFill/>
+          <a:ln>
+            <a:noFill/>
+          </a:ln>
+        </p:spPr>
+      </p:pic>
     </p:spTree>
   </p:cSld>
   <p:clrMapOvr>
@@ -10351,7 +10481,7 @@
   <p:cSld>
     <p:spTree>
       <p:nvGrpSpPr>
-        <p:cNvPr id="177" name="Shape 177"/>
+        <p:cNvPr id="178" name="Shape 178"/>
         <p:cNvGrpSpPr/>
         <p:nvPr/>
       </p:nvGrpSpPr>
@@ -10365,7 +10495,7 @@
       </p:grpSpPr>
       <p:sp>
         <p:nvSpPr>
-          <p:cNvPr id="178" name="Google Shape;178;g18944ca1100_0_376"/>
+          <p:cNvPr id="179" name="Google Shape;179;g18944ca1100_0_376"/>
           <p:cNvSpPr txBox="1"/>
           <p:nvPr>
             <p:ph type="title"/>
@@ -10413,7 +10543,7 @@
       </p:sp>
       <p:sp>
         <p:nvSpPr>
-          <p:cNvPr id="179" name="Google Shape;179;g18944ca1100_0_376"/>
+          <p:cNvPr id="180" name="Google Shape;180;g18944ca1100_0_376"/>
           <p:cNvSpPr txBox="1"/>
           <p:nvPr>
             <p:ph idx="1" type="body"/>
@@ -10452,20 +10582,33 @@
               <a:buChar char="●"/>
             </a:pPr>
             <a:r>
+              <a:rPr lang="en-US" sz="1500"/>
+              <a:t>Features, </a:t>
+            </a:r>
+            <a:r>
+              <a:rPr lang="en-US" sz="1500">
+                <a:solidFill>
+                  <a:schemeClr val="dk1"/>
+                </a:solidFill>
+              </a:rPr>
+              <a:t>selected by domain knowledge,</a:t>
+            </a:r>
+            <a:r>
+              <a:rPr lang="en-US" sz="1500"/>
+              <a:t> are </a:t>
+            </a:r>
+            <a:r>
               <a:rPr b="1" lang="en-US" sz="1500"/>
-              <a:t>Weighted average</a:t>
+              <a:t>log and beta-inverse scaled</a:t>
             </a:r>
             <a:r>
               <a:rPr lang="en-US" sz="1500"/>
-              <a:t> of features selected by domain knowledge.</a:t>
+              <a:t>.</a:t>
             </a:r>
             <a:endParaRPr sz="1500"/>
           </a:p>
           <a:p>
             <a:pPr indent="-323850" lvl="0" marL="457200" rtl="0" algn="l">
-              <a:lnSpc>
-                <a:spcPct val="115000"/>
-              </a:lnSpc>
               <a:spcBef>
                 <a:spcPts val="0"/>
               </a:spcBef>
@@ -10476,16 +10619,20 @@
               <a:buChar char="●"/>
             </a:pPr>
             <a:r>
-              <a:rPr lang="en-US" sz="1500"/>
-              <a:t>Before averaging, features are </a:t>
-            </a:r>
-            <a:r>
-              <a:rPr b="1" lang="en-US" sz="1500"/>
-              <a:t>log and beta-inverse scaled</a:t>
-            </a:r>
-            <a:r>
-              <a:rPr lang="en-US" sz="1500"/>
-              <a:t>.</a:t>
+              <a:rPr b="1" lang="en-US" sz="1500">
+                <a:solidFill>
+                  <a:schemeClr val="dk1"/>
+                </a:solidFill>
+              </a:rPr>
+              <a:t>Weighted average</a:t>
+            </a:r>
+            <a:r>
+              <a:rPr lang="en-US" sz="1500">
+                <a:solidFill>
+                  <a:schemeClr val="dk1"/>
+                </a:solidFill>
+              </a:rPr>
+              <a:t> of previous processed features.</a:t>
             </a:r>
             <a:endParaRPr sz="1500"/>
           </a:p>
@@ -10504,7 +10651,7 @@
   <p:cSld>
     <p:spTree>
       <p:nvGrpSpPr>
-        <p:cNvPr id="183" name="Shape 183"/>
+        <p:cNvPr id="184" name="Shape 184"/>
         <p:cNvGrpSpPr/>
         <p:nvPr/>
       </p:nvGrpSpPr>
@@ -10518,7 +10665,7 @@
       </p:grpSpPr>
       <p:sp>
         <p:nvSpPr>
-          <p:cNvPr id="184" name="Google Shape;184;g18944ca1100_0_371"/>
+          <p:cNvPr id="185" name="Google Shape;185;g18944ca1100_0_371"/>
           <p:cNvSpPr txBox="1"/>
           <p:nvPr>
             <p:ph type="title"/>
@@ -10566,7 +10713,7 @@
       </p:sp>
       <p:sp>
         <p:nvSpPr>
-          <p:cNvPr id="185" name="Google Shape;185;g18944ca1100_0_371"/>
+          <p:cNvPr id="186" name="Google Shape;186;g18944ca1100_0_371"/>
           <p:cNvSpPr txBox="1"/>
           <p:nvPr>
             <p:ph idx="1" type="body"/>
@@ -10610,7 +10757,47 @@
             </a:r>
             <a:r>
               <a:rPr lang="en-US" sz="1500"/>
-              <a:t> as clustering algorithm for dealing with continuous and categorical data.</a:t>
+              <a:t> as clustering algorithm for dealing with continuous and categorical data:</a:t>
+            </a:r>
+            <a:endParaRPr sz="1500"/>
+          </a:p>
+          <a:p>
+            <a:pPr indent="-323850" lvl="1" marL="914400" rtl="0" algn="l">
+              <a:lnSpc>
+                <a:spcPct val="115000"/>
+              </a:lnSpc>
+              <a:spcBef>
+                <a:spcPts val="0"/>
+              </a:spcBef>
+              <a:spcAft>
+                <a:spcPts val="0"/>
+              </a:spcAft>
+              <a:buSzPts val="1500"/>
+              <a:buChar char="○"/>
+            </a:pPr>
+            <a:r>
+              <a:rPr lang="en-US" sz="1500"/>
+              <a:t>continuous data: Euclidean distance</a:t>
+            </a:r>
+            <a:endParaRPr sz="1500"/>
+          </a:p>
+          <a:p>
+            <a:pPr indent="-323850" lvl="1" marL="914400" rtl="0" algn="l">
+              <a:lnSpc>
+                <a:spcPct val="115000"/>
+              </a:lnSpc>
+              <a:spcBef>
+                <a:spcPts val="0"/>
+              </a:spcBef>
+              <a:spcAft>
+                <a:spcPts val="0"/>
+              </a:spcAft>
+              <a:buSzPts val="1500"/>
+              <a:buChar char="○"/>
+            </a:pPr>
+            <a:r>
+              <a:rPr lang="en-US" sz="1500"/>
+              <a:t>categorical data: Hamming distance</a:t>
             </a:r>
             <a:endParaRPr sz="1500"/>
           </a:p>
@@ -10642,7 +10829,25 @@
             </a:r>
             <a:r>
               <a:rPr lang="en-US" sz="1500"/>
-              <a:t>.</a:t>
+              <a:t>. (Score: 0.21)</a:t>
+            </a:r>
+            <a:endParaRPr sz="1500"/>
+          </a:p>
+          <a:p>
+            <a:pPr indent="0" lvl="0" marL="0" rtl="0" algn="l">
+              <a:lnSpc>
+                <a:spcPct val="115000"/>
+              </a:lnSpc>
+              <a:spcBef>
+                <a:spcPts val="0"/>
+              </a:spcBef>
+              <a:spcAft>
+                <a:spcPts val="0"/>
+              </a:spcAft>
+              <a:buNone/>
+            </a:pPr>
+            <a:r>
+              <a:t/>
             </a:r>
             <a:endParaRPr sz="1500"/>
           </a:p>
@@ -10715,7 +10920,7 @@
             </a:pPr>
             <a:r>
               <a:rPr lang="en-US"/>
-              <a:t>Outline</a:t>
+              <a:t>Agenda</a:t>
             </a:r>
             <a:endParaRPr/>
           </a:p>
@@ -10783,7 +10988,7 @@
             </a:pPr>
             <a:r>
               <a:rPr lang="en-US"/>
-              <a:t>Solution &amp; Goals</a:t>
+              <a:t>Solution</a:t>
             </a:r>
             <a:endParaRPr/>
           </a:p>
@@ -11032,8 +11237,8 @@
         </p:nvSpPr>
         <p:spPr>
           <a:xfrm>
-            <a:off x="311700" y="961975"/>
-            <a:ext cx="8520600" cy="3416400"/>
+            <a:off x="311700" y="1138375"/>
+            <a:ext cx="8520600" cy="1218300"/>
           </a:xfrm>
           <a:prstGeom prst="rect">
             <a:avLst/>
@@ -11083,15 +11288,7 @@
             </a:pPr>
             <a:r>
               <a:rPr lang="en-US"/>
-              <a:t>challenging </a:t>
-            </a:r>
-            <a:r>
-              <a:rPr lang="en-US"/>
-              <a:t>macroeconomics</a:t>
-            </a:r>
-            <a:r>
-              <a:rPr lang="en-US"/>
-              <a:t> and sector environment</a:t>
+              <a:t>challenging macroeconomic and industrial environment</a:t>
             </a:r>
             <a:endParaRPr/>
           </a:p>
@@ -11147,101 +11344,7 @@
               <a:buNone/>
             </a:pPr>
             <a:r>
-              <a:rPr lang="en-US" sz="1800"/>
-              <a:t>… And, if it’s still not enough… </a:t>
-            </a:r>
-            <a:endParaRPr sz="1800"/>
-          </a:p>
-          <a:p>
-            <a:pPr indent="0" lvl="0" marL="0" rtl="0" algn="l">
-              <a:lnSpc>
-                <a:spcPct val="115000"/>
-              </a:lnSpc>
-              <a:spcBef>
-                <a:spcPts val="0"/>
-              </a:spcBef>
-              <a:spcAft>
-                <a:spcPts val="0"/>
-              </a:spcAft>
-              <a:buNone/>
-            </a:pPr>
-            <a:r>
-              <a:rPr lang="en-US" sz="1800"/>
-              <a:t>Do you know that your revenues are about 15% lower than expected?</a:t>
-            </a:r>
-            <a:endParaRPr sz="1800"/>
-          </a:p>
-          <a:p>
-            <a:pPr indent="0" lvl="0" marL="0" rtl="0" algn="l">
-              <a:lnSpc>
-                <a:spcPct val="115000"/>
-              </a:lnSpc>
-              <a:spcBef>
-                <a:spcPts val="0"/>
-              </a:spcBef>
-              <a:spcAft>
-                <a:spcPts val="0"/>
-              </a:spcAft>
-              <a:buNone/>
-            </a:pPr>
-            <a:r>
               <a:t/>
-            </a:r>
-            <a:endParaRPr sz="1800"/>
-          </a:p>
-          <a:p>
-            <a:pPr indent="-349250" lvl="0" marL="457200" rtl="0" algn="l">
-              <a:lnSpc>
-                <a:spcPct val="115000"/>
-              </a:lnSpc>
-              <a:spcBef>
-                <a:spcPts val="0"/>
-              </a:spcBef>
-              <a:spcAft>
-                <a:spcPts val="0"/>
-              </a:spcAft>
-              <a:buSzPts val="1900"/>
-              <a:buChar char="●"/>
-            </a:pPr>
-            <a:r>
-              <a:rPr lang="en-US"/>
-              <a:t>5%: median revenues loss due to </a:t>
-            </a:r>
-            <a:r>
-              <a:rPr b="1" lang="en-US"/>
-              <a:t>fraud actions</a:t>
-            </a:r>
-            <a:r>
-              <a:rPr lang="en-US"/>
-              <a:t>*</a:t>
-            </a:r>
-            <a:endParaRPr/>
-          </a:p>
-          <a:p>
-            <a:pPr indent="-349250" lvl="0" marL="457200" rtl="0" algn="l">
-              <a:lnSpc>
-                <a:spcPct val="115000"/>
-              </a:lnSpc>
-              <a:spcBef>
-                <a:spcPts val="0"/>
-              </a:spcBef>
-              <a:spcAft>
-                <a:spcPts val="0"/>
-              </a:spcAft>
-              <a:buSzPts val="1900"/>
-              <a:buChar char="●"/>
-            </a:pPr>
-            <a:r>
-              <a:rPr lang="en-US"/>
-              <a:t>10%: median revenues loss  for not offering </a:t>
-            </a:r>
-            <a:r>
-              <a:rPr b="1" lang="en-US"/>
-              <a:t>more tailored solutions</a:t>
-            </a:r>
-            <a:r>
-              <a:rPr lang="en-US"/>
-              <a:t> to customers**</a:t>
             </a:r>
             <a:endParaRPr/>
           </a:p>
@@ -11361,6 +11464,242 @@
               <a:t>McKinsey Report</a:t>
             </a:r>
             <a:endParaRPr sz="600">
+              <a:latin typeface="Proxima Nova"/>
+              <a:ea typeface="Proxima Nova"/>
+              <a:cs typeface="Proxima Nova"/>
+              <a:sym typeface="Proxima Nova"/>
+            </a:endParaRPr>
+          </a:p>
+        </p:txBody>
+      </p:sp>
+      <p:sp>
+        <p:nvSpPr>
+          <p:cNvPr id="71" name="Google Shape;71;g133c1f20611_0_5"/>
+          <p:cNvSpPr txBox="1"/>
+          <p:nvPr/>
+        </p:nvSpPr>
+        <p:spPr>
+          <a:xfrm>
+            <a:off x="311700" y="2385775"/>
+            <a:ext cx="8520600" cy="1787100"/>
+          </a:xfrm>
+          <a:prstGeom prst="rect">
+            <a:avLst/>
+          </a:prstGeom>
+          <a:noFill/>
+          <a:ln>
+            <a:noFill/>
+          </a:ln>
+        </p:spPr>
+        <p:txBody>
+          <a:bodyPr anchorCtr="0" anchor="t" bIns="91425" lIns="91425" spcFirstLastPara="1" rIns="91425" wrap="square" tIns="91425">
+            <a:spAutoFit/>
+          </a:bodyPr>
+          <a:lstStyle/>
+          <a:p>
+            <a:pPr indent="0" lvl="0" marL="0" rtl="0" algn="l">
+              <a:lnSpc>
+                <a:spcPct val="115000"/>
+              </a:lnSpc>
+              <a:spcBef>
+                <a:spcPts val="0"/>
+              </a:spcBef>
+              <a:spcAft>
+                <a:spcPts val="0"/>
+              </a:spcAft>
+              <a:buNone/>
+            </a:pPr>
+            <a:r>
+              <a:rPr lang="en-US" sz="1800">
+                <a:solidFill>
+                  <a:schemeClr val="dk1"/>
+                </a:solidFill>
+                <a:latin typeface="Proxima Nova"/>
+                <a:ea typeface="Proxima Nova"/>
+                <a:cs typeface="Proxima Nova"/>
+                <a:sym typeface="Proxima Nova"/>
+              </a:rPr>
+              <a:t>… Moreover, do you know that your revenues are about </a:t>
+            </a:r>
+            <a:r>
+              <a:rPr lang="en-US" sz="1800">
+                <a:solidFill>
+                  <a:srgbClr val="FF0000"/>
+                </a:solidFill>
+                <a:latin typeface="Proxima Nova"/>
+                <a:ea typeface="Proxima Nova"/>
+                <a:cs typeface="Proxima Nova"/>
+                <a:sym typeface="Proxima Nova"/>
+              </a:rPr>
+              <a:t>15% lower</a:t>
+            </a:r>
+            <a:r>
+              <a:rPr lang="en-US" sz="1800">
+                <a:solidFill>
+                  <a:schemeClr val="dk1"/>
+                </a:solidFill>
+                <a:latin typeface="Proxima Nova"/>
+                <a:ea typeface="Proxima Nova"/>
+                <a:cs typeface="Proxima Nova"/>
+                <a:sym typeface="Proxima Nova"/>
+              </a:rPr>
+              <a:t> than expected?</a:t>
+            </a:r>
+            <a:endParaRPr sz="1800">
+              <a:solidFill>
+                <a:schemeClr val="dk1"/>
+              </a:solidFill>
+              <a:latin typeface="Proxima Nova"/>
+              <a:ea typeface="Proxima Nova"/>
+              <a:cs typeface="Proxima Nova"/>
+              <a:sym typeface="Proxima Nova"/>
+            </a:endParaRPr>
+          </a:p>
+          <a:p>
+            <a:pPr indent="0" lvl="0" marL="0" rtl="0" algn="l">
+              <a:lnSpc>
+                <a:spcPct val="115000"/>
+              </a:lnSpc>
+              <a:spcBef>
+                <a:spcPts val="0"/>
+              </a:spcBef>
+              <a:spcAft>
+                <a:spcPts val="0"/>
+              </a:spcAft>
+              <a:buNone/>
+            </a:pPr>
+            <a:r>
+              <a:t/>
+            </a:r>
+            <a:endParaRPr sz="1800">
+              <a:solidFill>
+                <a:schemeClr val="dk1"/>
+              </a:solidFill>
+              <a:latin typeface="Proxima Nova"/>
+              <a:ea typeface="Proxima Nova"/>
+              <a:cs typeface="Proxima Nova"/>
+              <a:sym typeface="Proxima Nova"/>
+            </a:endParaRPr>
+          </a:p>
+          <a:p>
+            <a:pPr indent="-349250" lvl="0" marL="457200" rtl="0" algn="l">
+              <a:lnSpc>
+                <a:spcPct val="115000"/>
+              </a:lnSpc>
+              <a:spcBef>
+                <a:spcPts val="0"/>
+              </a:spcBef>
+              <a:spcAft>
+                <a:spcPts val="0"/>
+              </a:spcAft>
+              <a:buClr>
+                <a:schemeClr val="dk1"/>
+              </a:buClr>
+              <a:buSzPts val="1900"/>
+              <a:buFont typeface="Proxima Nova"/>
+              <a:buChar char="●"/>
+            </a:pPr>
+            <a:r>
+              <a:rPr lang="en-US" sz="1900">
+                <a:solidFill>
+                  <a:schemeClr val="dk1"/>
+                </a:solidFill>
+                <a:latin typeface="Proxima Nova"/>
+                <a:ea typeface="Proxima Nova"/>
+                <a:cs typeface="Proxima Nova"/>
+                <a:sym typeface="Proxima Nova"/>
+              </a:rPr>
+              <a:t>5%: median revenues loss due to </a:t>
+            </a:r>
+            <a:r>
+              <a:rPr b="1" lang="en-US" sz="1900">
+                <a:solidFill>
+                  <a:schemeClr val="dk1"/>
+                </a:solidFill>
+                <a:latin typeface="Proxima Nova"/>
+                <a:ea typeface="Proxima Nova"/>
+                <a:cs typeface="Proxima Nova"/>
+                <a:sym typeface="Proxima Nova"/>
+              </a:rPr>
+              <a:t>fraud actions</a:t>
+            </a:r>
+            <a:r>
+              <a:rPr lang="en-US" sz="1900">
+                <a:solidFill>
+                  <a:schemeClr val="dk1"/>
+                </a:solidFill>
+                <a:latin typeface="Proxima Nova"/>
+                <a:ea typeface="Proxima Nova"/>
+                <a:cs typeface="Proxima Nova"/>
+                <a:sym typeface="Proxima Nova"/>
+              </a:rPr>
+              <a:t>*</a:t>
+            </a:r>
+            <a:endParaRPr sz="1900">
+              <a:solidFill>
+                <a:schemeClr val="dk1"/>
+              </a:solidFill>
+              <a:latin typeface="Proxima Nova"/>
+              <a:ea typeface="Proxima Nova"/>
+              <a:cs typeface="Proxima Nova"/>
+              <a:sym typeface="Proxima Nova"/>
+            </a:endParaRPr>
+          </a:p>
+          <a:p>
+            <a:pPr indent="-349250" lvl="0" marL="457200" rtl="0" algn="l">
+              <a:lnSpc>
+                <a:spcPct val="115000"/>
+              </a:lnSpc>
+              <a:spcBef>
+                <a:spcPts val="0"/>
+              </a:spcBef>
+              <a:spcAft>
+                <a:spcPts val="0"/>
+              </a:spcAft>
+              <a:buClr>
+                <a:schemeClr val="dk1"/>
+              </a:buClr>
+              <a:buSzPts val="1900"/>
+              <a:buFont typeface="Proxima Nova"/>
+              <a:buChar char="●"/>
+            </a:pPr>
+            <a:r>
+              <a:rPr lang="en-US" sz="1900">
+                <a:solidFill>
+                  <a:schemeClr val="dk1"/>
+                </a:solidFill>
+                <a:latin typeface="Proxima Nova"/>
+                <a:ea typeface="Proxima Nova"/>
+                <a:cs typeface="Proxima Nova"/>
+                <a:sym typeface="Proxima Nova"/>
+              </a:rPr>
+              <a:t>10%: median revenues loss for not offering </a:t>
+            </a:r>
+            <a:r>
+              <a:rPr b="1" lang="en-US" sz="1900">
+                <a:solidFill>
+                  <a:schemeClr val="dk1"/>
+                </a:solidFill>
+                <a:latin typeface="Proxima Nova"/>
+                <a:ea typeface="Proxima Nova"/>
+                <a:cs typeface="Proxima Nova"/>
+                <a:sym typeface="Proxima Nova"/>
+              </a:rPr>
+              <a:t>more tailored solutions</a:t>
+            </a:r>
+            <a:r>
+              <a:rPr lang="en-US" sz="1900">
+                <a:solidFill>
+                  <a:schemeClr val="dk1"/>
+                </a:solidFill>
+                <a:latin typeface="Proxima Nova"/>
+                <a:ea typeface="Proxima Nova"/>
+                <a:cs typeface="Proxima Nova"/>
+                <a:sym typeface="Proxima Nova"/>
+              </a:rPr>
+              <a:t> to customers**</a:t>
+            </a:r>
+            <a:endParaRPr>
               <a:latin typeface="Proxima Nova"/>
               <a:ea typeface="Proxima Nova"/>
               <a:cs typeface="Proxima Nova"/>
@@ -11408,11 +11747,7 @@
                                           </p:stCondLst>
                                         </p:cTn>
                                         <p:tgtEl>
-                                          <p:spTgt spid="69">
-                                            <p:txEl>
-                                              <p:pRg end="0" st="0"/>
-                                            </p:txEl>
-                                          </p:spTgt>
+                                          <p:spTgt spid="69"/>
                                         </p:tgtEl>
                                         <p:attrNameLst>
                                           <p:attrName>style.visibility</p:attrName>
@@ -11426,11 +11761,7 @@
                                       <p:cBhvr>
                                         <p:cTn dur="1000"/>
                                         <p:tgtEl>
-                                          <p:spTgt spid="69">
-                                            <p:txEl>
-                                              <p:pRg end="0" st="0"/>
-                                            </p:txEl>
-                                          </p:spTgt>
+                                          <p:spTgt spid="69"/>
                                         </p:tgtEl>
                                       </p:cBhvr>
                                     </p:animEffect>
@@ -11469,11 +11800,7 @@
                                           </p:stCondLst>
                                         </p:cTn>
                                         <p:tgtEl>
-                                          <p:spTgt spid="69">
-                                            <p:txEl>
-                                              <p:pRg end="1" st="1"/>
-                                            </p:txEl>
-                                          </p:spTgt>
+                                          <p:spTgt spid="71"/>
                                         </p:tgtEl>
                                         <p:attrNameLst>
                                           <p:attrName>style.visibility</p:attrName>
@@ -11487,516 +11814,15 @@
                                       <p:cBhvr>
                                         <p:cTn dur="1000"/>
                                         <p:tgtEl>
-                                          <p:spTgt spid="69">
-                                            <p:txEl>
-                                              <p:pRg end="1" st="1"/>
-                                            </p:txEl>
-                                          </p:spTgt>
+                                          <p:spTgt spid="71"/>
                                         </p:tgtEl>
                                       </p:cBhvr>
                                     </p:animEffect>
                                   </p:childTnLst>
                                 </p:cTn>
                               </p:par>
-                            </p:childTnLst>
-                          </p:cTn>
-                        </p:par>
-                      </p:childTnLst>
-                    </p:cTn>
-                  </p:par>
-                  <p:par>
-                    <p:cTn fill="hold">
-                      <p:stCondLst>
-                        <p:cond delay="indefinite"/>
-                      </p:stCondLst>
-                      <p:childTnLst>
-                        <p:par>
-                          <p:cTn fill="hold">
-                            <p:stCondLst>
-                              <p:cond delay="0"/>
-                            </p:stCondLst>
-                            <p:childTnLst>
                               <p:par>
-                                <p:cTn fill="hold" nodeType="clickEffect" presetClass="entr" presetID="10" presetSubtype="0">
-                                  <p:stCondLst>
-                                    <p:cond delay="0"/>
-                                  </p:stCondLst>
-                                  <p:childTnLst>
-                                    <p:set>
-                                      <p:cBhvr>
-                                        <p:cTn dur="1" fill="hold">
-                                          <p:stCondLst>
-                                            <p:cond delay="0"/>
-                                          </p:stCondLst>
-                                        </p:cTn>
-                                        <p:tgtEl>
-                                          <p:spTgt spid="69">
-                                            <p:txEl>
-                                              <p:pRg end="2" st="2"/>
-                                            </p:txEl>
-                                          </p:spTgt>
-                                        </p:tgtEl>
-                                        <p:attrNameLst>
-                                          <p:attrName>style.visibility</p:attrName>
-                                        </p:attrNameLst>
-                                      </p:cBhvr>
-                                      <p:to>
-                                        <p:strVal val="visible"/>
-                                      </p:to>
-                                    </p:set>
-                                    <p:animEffect filter="fade" transition="in">
-                                      <p:cBhvr>
-                                        <p:cTn dur="1000"/>
-                                        <p:tgtEl>
-                                          <p:spTgt spid="69">
-                                            <p:txEl>
-                                              <p:pRg end="2" st="2"/>
-                                            </p:txEl>
-                                          </p:spTgt>
-                                        </p:tgtEl>
-                                      </p:cBhvr>
-                                    </p:animEffect>
-                                  </p:childTnLst>
-                                </p:cTn>
-                              </p:par>
-                            </p:childTnLst>
-                          </p:cTn>
-                        </p:par>
-                      </p:childTnLst>
-                    </p:cTn>
-                  </p:par>
-                  <p:par>
-                    <p:cTn fill="hold">
-                      <p:stCondLst>
-                        <p:cond delay="indefinite"/>
-                      </p:stCondLst>
-                      <p:childTnLst>
-                        <p:par>
-                          <p:cTn fill="hold">
-                            <p:stCondLst>
-                              <p:cond delay="0"/>
-                            </p:stCondLst>
-                            <p:childTnLst>
-                              <p:par>
-                                <p:cTn fill="hold" nodeType="clickEffect" presetClass="entr" presetID="10" presetSubtype="0">
-                                  <p:stCondLst>
-                                    <p:cond delay="0"/>
-                                  </p:stCondLst>
-                                  <p:childTnLst>
-                                    <p:set>
-                                      <p:cBhvr>
-                                        <p:cTn dur="1" fill="hold">
-                                          <p:stCondLst>
-                                            <p:cond delay="0"/>
-                                          </p:stCondLst>
-                                        </p:cTn>
-                                        <p:tgtEl>
-                                          <p:spTgt spid="69">
-                                            <p:txEl>
-                                              <p:pRg end="3" st="3"/>
-                                            </p:txEl>
-                                          </p:spTgt>
-                                        </p:tgtEl>
-                                        <p:attrNameLst>
-                                          <p:attrName>style.visibility</p:attrName>
-                                        </p:attrNameLst>
-                                      </p:cBhvr>
-                                      <p:to>
-                                        <p:strVal val="visible"/>
-                                      </p:to>
-                                    </p:set>
-                                    <p:animEffect filter="fade" transition="in">
-                                      <p:cBhvr>
-                                        <p:cTn dur="1000"/>
-                                        <p:tgtEl>
-                                          <p:spTgt spid="69">
-                                            <p:txEl>
-                                              <p:pRg end="3" st="3"/>
-                                            </p:txEl>
-                                          </p:spTgt>
-                                        </p:tgtEl>
-                                      </p:cBhvr>
-                                    </p:animEffect>
-                                  </p:childTnLst>
-                                </p:cTn>
-                              </p:par>
-                            </p:childTnLst>
-                          </p:cTn>
-                        </p:par>
-                      </p:childTnLst>
-                    </p:cTn>
-                  </p:par>
-                  <p:par>
-                    <p:cTn fill="hold">
-                      <p:stCondLst>
-                        <p:cond delay="indefinite"/>
-                      </p:stCondLst>
-                      <p:childTnLst>
-                        <p:par>
-                          <p:cTn fill="hold">
-                            <p:stCondLst>
-                              <p:cond delay="0"/>
-                            </p:stCondLst>
-                            <p:childTnLst>
-                              <p:par>
-                                <p:cTn fill="hold" nodeType="clickEffect" presetClass="entr" presetID="10" presetSubtype="0">
-                                  <p:stCondLst>
-                                    <p:cond delay="0"/>
-                                  </p:stCondLst>
-                                  <p:childTnLst>
-                                    <p:set>
-                                      <p:cBhvr>
-                                        <p:cTn dur="1" fill="hold">
-                                          <p:stCondLst>
-                                            <p:cond delay="0"/>
-                                          </p:stCondLst>
-                                        </p:cTn>
-                                        <p:tgtEl>
-                                          <p:spTgt spid="69">
-                                            <p:txEl>
-                                              <p:pRg end="4" st="4"/>
-                                            </p:txEl>
-                                          </p:spTgt>
-                                        </p:tgtEl>
-                                        <p:attrNameLst>
-                                          <p:attrName>style.visibility</p:attrName>
-                                        </p:attrNameLst>
-                                      </p:cBhvr>
-                                      <p:to>
-                                        <p:strVal val="visible"/>
-                                      </p:to>
-                                    </p:set>
-                                    <p:animEffect filter="fade" transition="in">
-                                      <p:cBhvr>
-                                        <p:cTn dur="1000"/>
-                                        <p:tgtEl>
-                                          <p:spTgt spid="69">
-                                            <p:txEl>
-                                              <p:pRg end="4" st="4"/>
-                                            </p:txEl>
-                                          </p:spTgt>
-                                        </p:tgtEl>
-                                      </p:cBhvr>
-                                    </p:animEffect>
-                                  </p:childTnLst>
-                                </p:cTn>
-                              </p:par>
-                            </p:childTnLst>
-                          </p:cTn>
-                        </p:par>
-                      </p:childTnLst>
-                    </p:cTn>
-                  </p:par>
-                  <p:par>
-                    <p:cTn fill="hold">
-                      <p:stCondLst>
-                        <p:cond delay="indefinite"/>
-                      </p:stCondLst>
-                      <p:childTnLst>
-                        <p:par>
-                          <p:cTn fill="hold">
-                            <p:stCondLst>
-                              <p:cond delay="0"/>
-                            </p:stCondLst>
-                            <p:childTnLst>
-                              <p:par>
-                                <p:cTn fill="hold" nodeType="clickEffect" presetClass="entr" presetID="10" presetSubtype="0">
-                                  <p:stCondLst>
-                                    <p:cond delay="0"/>
-                                  </p:stCondLst>
-                                  <p:childTnLst>
-                                    <p:set>
-                                      <p:cBhvr>
-                                        <p:cTn dur="1" fill="hold">
-                                          <p:stCondLst>
-                                            <p:cond delay="0"/>
-                                          </p:stCondLst>
-                                        </p:cTn>
-                                        <p:tgtEl>
-                                          <p:spTgt spid="69">
-                                            <p:txEl>
-                                              <p:pRg end="5" st="5"/>
-                                            </p:txEl>
-                                          </p:spTgt>
-                                        </p:tgtEl>
-                                        <p:attrNameLst>
-                                          <p:attrName>style.visibility</p:attrName>
-                                        </p:attrNameLst>
-                                      </p:cBhvr>
-                                      <p:to>
-                                        <p:strVal val="visible"/>
-                                      </p:to>
-                                    </p:set>
-                                    <p:animEffect filter="fade" transition="in">
-                                      <p:cBhvr>
-                                        <p:cTn dur="1000"/>
-                                        <p:tgtEl>
-                                          <p:spTgt spid="69">
-                                            <p:txEl>
-                                              <p:pRg end="5" st="5"/>
-                                            </p:txEl>
-                                          </p:spTgt>
-                                        </p:tgtEl>
-                                      </p:cBhvr>
-                                    </p:animEffect>
-                                  </p:childTnLst>
-                                </p:cTn>
-                              </p:par>
-                            </p:childTnLst>
-                          </p:cTn>
-                        </p:par>
-                      </p:childTnLst>
-                    </p:cTn>
-                  </p:par>
-                  <p:par>
-                    <p:cTn fill="hold">
-                      <p:stCondLst>
-                        <p:cond delay="indefinite"/>
-                      </p:stCondLst>
-                      <p:childTnLst>
-                        <p:par>
-                          <p:cTn fill="hold">
-                            <p:stCondLst>
-                              <p:cond delay="0"/>
-                            </p:stCondLst>
-                            <p:childTnLst>
-                              <p:par>
-                                <p:cTn fill="hold" nodeType="clickEffect" presetClass="entr" presetID="10" presetSubtype="0">
-                                  <p:stCondLst>
-                                    <p:cond delay="0"/>
-                                  </p:stCondLst>
-                                  <p:childTnLst>
-                                    <p:set>
-                                      <p:cBhvr>
-                                        <p:cTn dur="1" fill="hold">
-                                          <p:stCondLst>
-                                            <p:cond delay="0"/>
-                                          </p:stCondLst>
-                                        </p:cTn>
-                                        <p:tgtEl>
-                                          <p:spTgt spid="69">
-                                            <p:txEl>
-                                              <p:pRg end="6" st="6"/>
-                                            </p:txEl>
-                                          </p:spTgt>
-                                        </p:tgtEl>
-                                        <p:attrNameLst>
-                                          <p:attrName>style.visibility</p:attrName>
-                                        </p:attrNameLst>
-                                      </p:cBhvr>
-                                      <p:to>
-                                        <p:strVal val="visible"/>
-                                      </p:to>
-                                    </p:set>
-                                    <p:animEffect filter="fade" transition="in">
-                                      <p:cBhvr>
-                                        <p:cTn dur="1000"/>
-                                        <p:tgtEl>
-                                          <p:spTgt spid="69">
-                                            <p:txEl>
-                                              <p:pRg end="6" st="6"/>
-                                            </p:txEl>
-                                          </p:spTgt>
-                                        </p:tgtEl>
-                                      </p:cBhvr>
-                                    </p:animEffect>
-                                  </p:childTnLst>
-                                </p:cTn>
-                              </p:par>
-                            </p:childTnLst>
-                          </p:cTn>
-                        </p:par>
-                      </p:childTnLst>
-                    </p:cTn>
-                  </p:par>
-                  <p:par>
-                    <p:cTn fill="hold">
-                      <p:stCondLst>
-                        <p:cond delay="indefinite"/>
-                      </p:stCondLst>
-                      <p:childTnLst>
-                        <p:par>
-                          <p:cTn fill="hold">
-                            <p:stCondLst>
-                              <p:cond delay="0"/>
-                            </p:stCondLst>
-                            <p:childTnLst>
-                              <p:par>
-                                <p:cTn fill="hold" nodeType="clickEffect" presetClass="entr" presetID="10" presetSubtype="0">
-                                  <p:stCondLst>
-                                    <p:cond delay="0"/>
-                                  </p:stCondLst>
-                                  <p:childTnLst>
-                                    <p:set>
-                                      <p:cBhvr>
-                                        <p:cTn dur="1" fill="hold">
-                                          <p:stCondLst>
-                                            <p:cond delay="0"/>
-                                          </p:stCondLst>
-                                        </p:cTn>
-                                        <p:tgtEl>
-                                          <p:spTgt spid="69">
-                                            <p:txEl>
-                                              <p:pRg end="7" st="7"/>
-                                            </p:txEl>
-                                          </p:spTgt>
-                                        </p:tgtEl>
-                                        <p:attrNameLst>
-                                          <p:attrName>style.visibility</p:attrName>
-                                        </p:attrNameLst>
-                                      </p:cBhvr>
-                                      <p:to>
-                                        <p:strVal val="visible"/>
-                                      </p:to>
-                                    </p:set>
-                                    <p:animEffect filter="fade" transition="in">
-                                      <p:cBhvr>
-                                        <p:cTn dur="1000"/>
-                                        <p:tgtEl>
-                                          <p:spTgt spid="69">
-                                            <p:txEl>
-                                              <p:pRg end="7" st="7"/>
-                                            </p:txEl>
-                                          </p:spTgt>
-                                        </p:tgtEl>
-                                      </p:cBhvr>
-                                    </p:animEffect>
-                                  </p:childTnLst>
-                                </p:cTn>
-                              </p:par>
-                            </p:childTnLst>
-                          </p:cTn>
-                        </p:par>
-                      </p:childTnLst>
-                    </p:cTn>
-                  </p:par>
-                  <p:par>
-                    <p:cTn fill="hold">
-                      <p:stCondLst>
-                        <p:cond delay="indefinite"/>
-                      </p:stCondLst>
-                      <p:childTnLst>
-                        <p:par>
-                          <p:cTn fill="hold">
-                            <p:stCondLst>
-                              <p:cond delay="0"/>
-                            </p:stCondLst>
-                            <p:childTnLst>
-                              <p:par>
-                                <p:cTn fill="hold" nodeType="clickEffect" presetClass="entr" presetID="10" presetSubtype="0">
-                                  <p:stCondLst>
-                                    <p:cond delay="0"/>
-                                  </p:stCondLst>
-                                  <p:childTnLst>
-                                    <p:set>
-                                      <p:cBhvr>
-                                        <p:cTn dur="1" fill="hold">
-                                          <p:stCondLst>
-                                            <p:cond delay="0"/>
-                                          </p:stCondLst>
-                                        </p:cTn>
-                                        <p:tgtEl>
-                                          <p:spTgt spid="69">
-                                            <p:txEl>
-                                              <p:pRg end="8" st="8"/>
-                                            </p:txEl>
-                                          </p:spTgt>
-                                        </p:tgtEl>
-                                        <p:attrNameLst>
-                                          <p:attrName>style.visibility</p:attrName>
-                                        </p:attrNameLst>
-                                      </p:cBhvr>
-                                      <p:to>
-                                        <p:strVal val="visible"/>
-                                      </p:to>
-                                    </p:set>
-                                    <p:animEffect filter="fade" transition="in">
-                                      <p:cBhvr>
-                                        <p:cTn dur="1000"/>
-                                        <p:tgtEl>
-                                          <p:spTgt spid="69">
-                                            <p:txEl>
-                                              <p:pRg end="8" st="8"/>
-                                            </p:txEl>
-                                          </p:spTgt>
-                                        </p:tgtEl>
-                                      </p:cBhvr>
-                                    </p:animEffect>
-                                  </p:childTnLst>
-                                </p:cTn>
-                              </p:par>
-                            </p:childTnLst>
-                          </p:cTn>
-                        </p:par>
-                      </p:childTnLst>
-                    </p:cTn>
-                  </p:par>
-                  <p:par>
-                    <p:cTn fill="hold">
-                      <p:stCondLst>
-                        <p:cond delay="indefinite"/>
-                      </p:stCondLst>
-                      <p:childTnLst>
-                        <p:par>
-                          <p:cTn fill="hold">
-                            <p:stCondLst>
-                              <p:cond delay="0"/>
-                            </p:stCondLst>
-                            <p:childTnLst>
-                              <p:par>
-                                <p:cTn fill="hold" nodeType="clickEffect" presetClass="entr" presetID="10" presetSubtype="0">
-                                  <p:stCondLst>
-                                    <p:cond delay="0"/>
-                                  </p:stCondLst>
-                                  <p:childTnLst>
-                                    <p:set>
-                                      <p:cBhvr>
-                                        <p:cTn dur="1" fill="hold">
-                                          <p:stCondLst>
-                                            <p:cond delay="0"/>
-                                          </p:stCondLst>
-                                        </p:cTn>
-                                        <p:tgtEl>
-                                          <p:spTgt spid="69">
-                                            <p:txEl>
-                                              <p:pRg end="9" st="9"/>
-                                            </p:txEl>
-                                          </p:spTgt>
-                                        </p:tgtEl>
-                                        <p:attrNameLst>
-                                          <p:attrName>style.visibility</p:attrName>
-                                        </p:attrNameLst>
-                                      </p:cBhvr>
-                                      <p:to>
-                                        <p:strVal val="visible"/>
-                                      </p:to>
-                                    </p:set>
-                                    <p:animEffect filter="fade" transition="in">
-                                      <p:cBhvr>
-                                        <p:cTn dur="1000"/>
-                                        <p:tgtEl>
-                                          <p:spTgt spid="69">
-                                            <p:txEl>
-                                              <p:pRg end="9" st="9"/>
-                                            </p:txEl>
-                                          </p:spTgt>
-                                        </p:tgtEl>
-                                      </p:cBhvr>
-                                    </p:animEffect>
-                                  </p:childTnLst>
-                                </p:cTn>
-                              </p:par>
-                            </p:childTnLst>
-                          </p:cTn>
-                        </p:par>
-                        <p:par>
-                          <p:cTn fill="hold">
-                            <p:stCondLst>
-                              <p:cond delay="1000"/>
-                            </p:stCondLst>
-                            <p:childTnLst>
-                              <p:par>
-                                <p:cTn fill="hold" nodeType="afterEffect" presetClass="entr" presetID="10" presetSubtype="0">
+                                <p:cTn fill="hold" nodeType="withEffect" presetClass="entr" presetID="10" presetSubtype="0">
                                   <p:stCondLst>
                                     <p:cond delay="0"/>
                                   </p:stCondLst>
@@ -12066,7 +11892,7 @@
   <p:cSld>
     <p:spTree>
       <p:nvGrpSpPr>
-        <p:cNvPr id="74" name="Shape 74"/>
+        <p:cNvPr id="75" name="Shape 75"/>
         <p:cNvGrpSpPr/>
         <p:nvPr/>
       </p:nvGrpSpPr>
@@ -12080,7 +11906,7 @@
       </p:grpSpPr>
       <p:sp>
         <p:nvSpPr>
-          <p:cNvPr id="75" name="Google Shape;75;g133c1f20611_0_10"/>
+          <p:cNvPr id="76" name="Google Shape;76;g133c1f20611_0_10"/>
           <p:cNvSpPr txBox="1"/>
           <p:nvPr>
             <p:ph idx="1" type="body"/>
@@ -12089,7 +11915,7 @@
         <p:spPr>
           <a:xfrm>
             <a:off x="311700" y="1152475"/>
-            <a:ext cx="8520600" cy="2636400"/>
+            <a:ext cx="8520600" cy="1182900"/>
           </a:xfrm>
           <a:prstGeom prst="rect">
             <a:avLst/>
@@ -12171,48 +11997,17 @@
             <a:endParaRPr/>
           </a:p>
           <a:p>
-            <a:pPr indent="-349250" lvl="0" marL="457200" rtl="0" algn="l">
-              <a:spcBef>
-                <a:spcPts val="0"/>
-              </a:spcBef>
-              <a:spcAft>
-                <a:spcPts val="0"/>
-              </a:spcAft>
-              <a:buSzPts val="1900"/>
-              <a:buChar char="●"/>
+            <a:pPr indent="0" lvl="0" marL="0" rtl="0" algn="l">
+              <a:spcBef>
+                <a:spcPts val="0"/>
+              </a:spcBef>
+              <a:spcAft>
+                <a:spcPts val="0"/>
+              </a:spcAft>
+              <a:buNone/>
             </a:pPr>
             <a:r>
-              <a:rPr lang="en-US"/>
-              <a:t>quickly and precisely </a:t>
-            </a:r>
-            <a:r>
-              <a:rPr b="1" lang="en-US"/>
-              <a:t>identify fraud and fraudsters</a:t>
-            </a:r>
-            <a:r>
-              <a:rPr lang="en-US"/>
-              <a:t>;</a:t>
-            </a:r>
-            <a:endParaRPr/>
-          </a:p>
-          <a:p>
-            <a:pPr indent="-349250" lvl="0" marL="457200" rtl="0" algn="l">
-              <a:spcBef>
-                <a:spcPts val="0"/>
-              </a:spcBef>
-              <a:spcAft>
-                <a:spcPts val="0"/>
-              </a:spcAft>
-              <a:buSzPts val="1900"/>
-              <a:buChar char="●"/>
-            </a:pPr>
-            <a:r>
-              <a:rPr b="1" lang="en-US"/>
-              <a:t>cluster customers</a:t>
-            </a:r>
-            <a:r>
-              <a:rPr lang="en-US"/>
-              <a:t> into homogeneous groups (Personas) in order to offer them more personalized solutions!</a:t>
+              <a:t/>
             </a:r>
             <a:endParaRPr/>
           </a:p>
@@ -12220,7 +12015,7 @@
       </p:sp>
       <p:sp>
         <p:nvSpPr>
-          <p:cNvPr id="76" name="Google Shape;76;g133c1f20611_0_10"/>
+          <p:cNvPr id="77" name="Google Shape;77;g133c1f20611_0_10"/>
           <p:cNvSpPr txBox="1"/>
           <p:nvPr>
             <p:ph type="title"/>
@@ -12260,80 +12055,7 @@
             </a:pPr>
             <a:r>
               <a:rPr lang="en-US"/>
-              <a:t>Solution &amp; Goals</a:t>
-            </a:r>
-            <a:endParaRPr/>
-          </a:p>
-        </p:txBody>
-      </p:sp>
-    </p:spTree>
-  </p:cSld>
-  <p:clrMapOvr>
-    <a:masterClrMapping/>
-  </p:clrMapOvr>
-</p:sld>
-</file>
-
-<file path=ppt/slides/slide5.xml><?xml version="1.0" encoding="utf-8"?>
-<p:sld xmlns:a="http://schemas.openxmlformats.org/drawingml/2006/main" xmlns:r="http://schemas.openxmlformats.org/officeDocument/2006/relationships" xmlns:mc="http://schemas.openxmlformats.org/markup-compatibility/2006" xmlns:mv="urn:schemas-microsoft-com:mac:vml" xmlns:p="http://schemas.openxmlformats.org/presentationml/2006/main" xmlns:c="http://schemas.openxmlformats.org/drawingml/2006/chart" xmlns:dgm="http://schemas.openxmlformats.org/drawingml/2006/diagram" xmlns:o="urn:schemas-microsoft-com:office:office" xmlns:v="urn:schemas-microsoft-com:vml" xmlns:pvml="urn:schemas-microsoft-com:office:powerpoint" xmlns:com="http://schemas.openxmlformats.org/drawingml/2006/compatibility" xmlns:p14="http://schemas.microsoft.com/office/powerpoint/2010/main" xmlns:p15="http://schemas.microsoft.com/office/powerpoint/2012/main" xmlns:ahyp="http://schemas.microsoft.com/office/drawing/2018/hyperlinkcolor">
-  <p:cSld>
-    <p:spTree>
-      <p:nvGrpSpPr>
-        <p:cNvPr id="80" name="Shape 80"/>
-        <p:cNvGrpSpPr/>
-        <p:nvPr/>
-      </p:nvGrpSpPr>
-      <p:grpSpPr>
-        <a:xfrm>
-          <a:off x="0" y="0"/>
-          <a:ext cx="0" cy="0"/>
-          <a:chOff x="0" y="0"/>
-          <a:chExt cx="0" cy="0"/>
-        </a:xfrm>
-      </p:grpSpPr>
-      <p:sp>
-        <p:nvSpPr>
-          <p:cNvPr id="81" name="Google Shape;81;g133c1f20611_0_15"/>
-          <p:cNvSpPr txBox="1"/>
-          <p:nvPr>
-            <p:ph type="title"/>
-          </p:nvPr>
-        </p:nvSpPr>
-        <p:spPr>
-          <a:xfrm>
-            <a:off x="311700" y="445025"/>
-            <a:ext cx="8520600" cy="572700"/>
-          </a:xfrm>
-          <a:prstGeom prst="rect">
-            <a:avLst/>
-          </a:prstGeom>
-          <a:noFill/>
-          <a:ln>
-            <a:noFill/>
-          </a:ln>
-        </p:spPr>
-        <p:txBody>
-          <a:bodyPr anchorCtr="0" anchor="t" bIns="91425" lIns="91425" spcFirstLastPara="1" rIns="91425" wrap="square" tIns="91425">
-            <a:noAutofit/>
-          </a:bodyPr>
-          <a:lstStyle/>
-          <a:p>
-            <a:pPr indent="0" lvl="0" marL="0" rtl="0" algn="l">
-              <a:lnSpc>
-                <a:spcPct val="100000"/>
-              </a:lnSpc>
-              <a:spcBef>
-                <a:spcPts val="0"/>
-              </a:spcBef>
-              <a:spcAft>
-                <a:spcPts val="0"/>
-              </a:spcAft>
-              <a:buSzPts val="2800"/>
-              <a:buNone/>
-            </a:pPr>
-            <a:r>
-              <a:rPr lang="en-US"/>
-              <a:t>Making of: The Data                                                  </a:t>
+              <a:t>Solution</a:t>
             </a:r>
             <a:endParaRPr/>
           </a:p>
@@ -12341,150 +12063,14 @@
       </p:sp>
       <p:sp>
         <p:nvSpPr>
-          <p:cNvPr id="82" name="Google Shape;82;g133c1f20611_0_15"/>
-          <p:cNvSpPr txBox="1"/>
-          <p:nvPr>
-            <p:ph idx="1" type="body"/>
-          </p:nvPr>
-        </p:nvSpPr>
-        <p:spPr>
-          <a:xfrm>
-            <a:off x="311700" y="1152475"/>
-            <a:ext cx="8520600" cy="1154700"/>
-          </a:xfrm>
-          <a:prstGeom prst="rect">
-            <a:avLst/>
-          </a:prstGeom>
-          <a:noFill/>
-          <a:ln>
-            <a:noFill/>
-          </a:ln>
-        </p:spPr>
-        <p:txBody>
-          <a:bodyPr anchorCtr="0" anchor="t" bIns="91425" lIns="91425" spcFirstLastPara="1" rIns="91425" wrap="square" tIns="91425">
-            <a:noAutofit/>
-          </a:bodyPr>
-          <a:lstStyle/>
-          <a:p>
-            <a:pPr indent="0" lvl="0" marL="0" rtl="0" algn="l">
-              <a:lnSpc>
-                <a:spcPct val="115000"/>
-              </a:lnSpc>
-              <a:spcBef>
-                <a:spcPts val="0"/>
-              </a:spcBef>
-              <a:spcAft>
-                <a:spcPts val="0"/>
-              </a:spcAft>
-              <a:buSzPts val="1900"/>
-              <a:buNone/>
-            </a:pPr>
-            <a:r>
-              <a:rPr lang="en-US"/>
-              <a:t>D</a:t>
-            </a:r>
-            <a:r>
-              <a:rPr lang="en-US"/>
-              <a:t>ataset with the following characteristics were used to develop the solution:</a:t>
-            </a:r>
-            <a:endParaRPr/>
-          </a:p>
-          <a:p>
-            <a:pPr indent="-349250" lvl="0" marL="457200" rtl="0" algn="l">
-              <a:lnSpc>
-                <a:spcPct val="115000"/>
-              </a:lnSpc>
-              <a:spcBef>
-                <a:spcPts val="0"/>
-              </a:spcBef>
-              <a:spcAft>
-                <a:spcPts val="0"/>
-              </a:spcAft>
-              <a:buSzPts val="1900"/>
-              <a:buChar char="●"/>
-            </a:pPr>
-            <a:r>
-              <a:rPr b="1" lang="en-US"/>
-              <a:t>structured mixed type</a:t>
-            </a:r>
-            <a:r>
-              <a:rPr lang="en-US"/>
-              <a:t> data</a:t>
-            </a:r>
-            <a:endParaRPr/>
-          </a:p>
-          <a:p>
-            <a:pPr indent="-349250" lvl="0" marL="457200" rtl="0" algn="l">
-              <a:lnSpc>
-                <a:spcPct val="115000"/>
-              </a:lnSpc>
-              <a:spcBef>
-                <a:spcPts val="0"/>
-              </a:spcBef>
-              <a:spcAft>
-                <a:spcPts val="0"/>
-              </a:spcAft>
-              <a:buSzPts val="1900"/>
-              <a:buChar char="●"/>
-            </a:pPr>
-            <a:r>
-              <a:rPr lang="en-US"/>
-              <a:t>presence of the </a:t>
-            </a:r>
-            <a:r>
-              <a:rPr b="1" lang="en-US"/>
-              <a:t>fraud label</a:t>
-            </a:r>
-            <a:endParaRPr b="1"/>
-          </a:p>
-          <a:p>
-            <a:pPr indent="0" lvl="0" marL="0" rtl="0" algn="l">
-              <a:lnSpc>
-                <a:spcPct val="115000"/>
-              </a:lnSpc>
-              <a:spcBef>
-                <a:spcPts val="0"/>
-              </a:spcBef>
-              <a:spcAft>
-                <a:spcPts val="0"/>
-              </a:spcAft>
-              <a:buNone/>
-            </a:pPr>
-            <a:r>
-              <a:t/>
-            </a:r>
-            <a:endParaRPr/>
-          </a:p>
-          <a:p>
-            <a:pPr indent="0" lvl="0" marL="0" rtl="0" algn="l">
-              <a:lnSpc>
-                <a:spcPct val="115000"/>
-              </a:lnSpc>
-              <a:spcBef>
-                <a:spcPts val="0"/>
-              </a:spcBef>
-              <a:spcAft>
-                <a:spcPts val="0"/>
-              </a:spcAft>
-              <a:buNone/>
-            </a:pPr>
-            <a:r>
-              <a:t/>
-            </a:r>
-            <a:endParaRPr sz="1500"/>
-          </a:p>
-        </p:txBody>
-      </p:sp>
-      <p:sp>
-        <p:nvSpPr>
-          <p:cNvPr id="83" name="Google Shape;83;g133c1f20611_0_15"/>
+          <p:cNvPr id="78" name="Google Shape;78;g133c1f20611_0_10"/>
           <p:cNvSpPr txBox="1"/>
           <p:nvPr/>
         </p:nvSpPr>
         <p:spPr>
           <a:xfrm>
-            <a:off x="345725" y="2455325"/>
-            <a:ext cx="8486700" cy="1822500"/>
+            <a:off x="310450" y="2469450"/>
+            <a:ext cx="8520600" cy="1149900"/>
           </a:xfrm>
           <a:prstGeom prst="rect">
             <a:avLst/>
@@ -12500,7 +12086,7 @@
           </a:bodyPr>
           <a:lstStyle/>
           <a:p>
-            <a:pPr indent="0" lvl="0" marL="0" rtl="0" algn="l">
+            <a:pPr indent="-349250" lvl="0" marL="457200" rtl="0" algn="l">
               <a:lnSpc>
                 <a:spcPct val="115000"/>
               </a:lnSpc>
@@ -12510,7 +12096,12 @@
               <a:spcAft>
                 <a:spcPts val="0"/>
               </a:spcAft>
-              <a:buNone/>
+              <a:buClr>
+                <a:schemeClr val="dk1"/>
+              </a:buClr>
+              <a:buSzPts val="1900"/>
+              <a:buFont typeface="Proxima Nova"/>
+              <a:buChar char="●"/>
             </a:pPr>
             <a:r>
               <a:rPr lang="en-US" sz="1900">
@@ -12522,7 +12113,31 @@
                 <a:cs typeface="Proxima Nova"/>
                 <a:sym typeface="Proxima Nova"/>
               </a:rPr>
-              <a:t>What information is stored on it?</a:t>
+              <a:t>quickly and precisely </a:t>
+            </a:r>
+            <a:r>
+              <a:rPr b="1" lang="en-US" sz="1900">
+                <a:solidFill>
+                  <a:schemeClr val="dk1"/>
+                </a:solidFill>
+                <a:latin typeface="Proxima Nova"/>
+                <a:ea typeface="Proxima Nova"/>
+                <a:cs typeface="Proxima Nova"/>
+                <a:sym typeface="Proxima Nova"/>
+              </a:rPr>
+              <a:t>identify fraud and fraudsters</a:t>
+            </a:r>
+            <a:r>
+              <a:rPr lang="en-US" sz="1900">
+                <a:solidFill>
+                  <a:schemeClr val="dk1"/>
+                </a:solidFill>
+                <a:latin typeface="Proxima Nova"/>
+                <a:ea typeface="Proxima Nova"/>
+                <a:cs typeface="Proxima Nova"/>
+                <a:sym typeface="Proxima Nova"/>
+              </a:rPr>
+              <a:t>;</a:t>
             </a:r>
             <a:endParaRPr sz="1900">
               <a:solidFill>
@@ -12553,6 +12168,18 @@
               <a:buChar char="●"/>
             </a:pPr>
             <a:r>
+              <a:rPr b="1" lang="en-US" sz="1900">
+                <a:solidFill>
+                  <a:schemeClr val="dk1"/>
+                </a:solidFill>
+                <a:latin typeface="Proxima Nova"/>
+                <a:ea typeface="Proxima Nova"/>
+                <a:cs typeface="Proxima Nova"/>
+                <a:sym typeface="Proxima Nova"/>
+              </a:rPr>
+              <a:t>cluster customers</a:t>
+            </a:r>
+            <a:r>
               <a:rPr lang="en-US" sz="1900">
                 <a:solidFill>
                   <a:schemeClr val="dk1"/>
@@ -12562,163 +12189,7 @@
                 <a:cs typeface="Proxima Nova"/>
                 <a:sym typeface="Proxima Nova"/>
               </a:rPr>
-              <a:t>transactions </a:t>
-            </a:r>
-            <a:r>
-              <a:rPr lang="en-US" sz="1500">
-                <a:solidFill>
-                  <a:schemeClr val="dk1"/>
-                </a:solidFill>
-                <a:latin typeface="Proxima Nova"/>
-                <a:ea typeface="Proxima Nova"/>
-                <a:cs typeface="Proxima Nova"/>
-                <a:sym typeface="Proxima Nova"/>
-              </a:rPr>
-              <a:t>(amount, product type, etc…)</a:t>
-            </a:r>
-            <a:endParaRPr sz="1500">
-              <a:solidFill>
-                <a:schemeClr val="dk1"/>
-              </a:solidFill>
-              <a:latin typeface="Proxima Nova"/>
-              <a:ea typeface="Proxima Nova"/>
-              <a:cs typeface="Proxima Nova"/>
-              <a:sym typeface="Proxima Nova"/>
-            </a:endParaRPr>
-          </a:p>
-          <a:p>
-            <a:pPr indent="-349250" lvl="0" marL="457200" rtl="0" algn="l">
-              <a:lnSpc>
-                <a:spcPct val="115000"/>
-              </a:lnSpc>
-              <a:spcBef>
-                <a:spcPts val="0"/>
-              </a:spcBef>
-              <a:spcAft>
-                <a:spcPts val="0"/>
-              </a:spcAft>
-              <a:buClr>
-                <a:schemeClr val="dk1"/>
-              </a:buClr>
-              <a:buSzPts val="1900"/>
-              <a:buFont typeface="Proxima Nova"/>
-              <a:buChar char="●"/>
-            </a:pPr>
-            <a:r>
-              <a:rPr lang="en-US" sz="1900">
-                <a:solidFill>
-                  <a:schemeClr val="dk1"/>
-                </a:solidFill>
-                <a:latin typeface="Proxima Nova"/>
-                <a:ea typeface="Proxima Nova"/>
-                <a:cs typeface="Proxima Nova"/>
-                <a:sym typeface="Proxima Nova"/>
-              </a:rPr>
-              <a:t>payments </a:t>
-            </a:r>
-            <a:r>
-              <a:rPr lang="en-US" sz="1500">
-                <a:solidFill>
-                  <a:schemeClr val="dk1"/>
-                </a:solidFill>
-                <a:latin typeface="Proxima Nova"/>
-                <a:ea typeface="Proxima Nova"/>
-                <a:cs typeface="Proxima Nova"/>
-                <a:sym typeface="Proxima Nova"/>
-              </a:rPr>
-              <a:t>(card type, card issuer, region, etc…)</a:t>
-            </a:r>
-            <a:endParaRPr sz="1500">
-              <a:solidFill>
-                <a:schemeClr val="dk1"/>
-              </a:solidFill>
-              <a:latin typeface="Proxima Nova"/>
-              <a:ea typeface="Proxima Nova"/>
-              <a:cs typeface="Proxima Nova"/>
-              <a:sym typeface="Proxima Nova"/>
-            </a:endParaRPr>
-          </a:p>
-          <a:p>
-            <a:pPr indent="-349250" lvl="0" marL="457200" rtl="0" algn="l">
-              <a:lnSpc>
-                <a:spcPct val="115000"/>
-              </a:lnSpc>
-              <a:spcBef>
-                <a:spcPts val="0"/>
-              </a:spcBef>
-              <a:spcAft>
-                <a:spcPts val="0"/>
-              </a:spcAft>
-              <a:buClr>
-                <a:schemeClr val="dk1"/>
-              </a:buClr>
-              <a:buSzPts val="1900"/>
-              <a:buFont typeface="Proxima Nova"/>
-              <a:buChar char="●"/>
-            </a:pPr>
-            <a:r>
-              <a:rPr lang="en-US" sz="1900">
-                <a:solidFill>
-                  <a:schemeClr val="dk1"/>
-                </a:solidFill>
-                <a:latin typeface="Proxima Nova"/>
-                <a:ea typeface="Proxima Nova"/>
-                <a:cs typeface="Proxima Nova"/>
-                <a:sym typeface="Proxima Nova"/>
-              </a:rPr>
-              <a:t>customers behavior on the website</a:t>
-            </a:r>
-            <a:endParaRPr sz="1900">
-              <a:solidFill>
-                <a:schemeClr val="dk1"/>
-              </a:solidFill>
-              <a:latin typeface="Proxima Nova"/>
-              <a:ea typeface="Proxima Nova"/>
-              <a:cs typeface="Proxima Nova"/>
-              <a:sym typeface="Proxima Nova"/>
-            </a:endParaRPr>
-          </a:p>
-          <a:p>
-            <a:pPr indent="-349250" lvl="0" marL="457200" rtl="0" algn="l">
-              <a:lnSpc>
-                <a:spcPct val="115000"/>
-              </a:lnSpc>
-              <a:spcBef>
-                <a:spcPts val="0"/>
-              </a:spcBef>
-              <a:spcAft>
-                <a:spcPts val="0"/>
-              </a:spcAft>
-              <a:buClr>
-                <a:schemeClr val="dk1"/>
-              </a:buClr>
-              <a:buSzPts val="1900"/>
-              <a:buFont typeface="Proxima Nova"/>
-              <a:buChar char="●"/>
-            </a:pPr>
-            <a:r>
-              <a:rPr lang="en-US" sz="1900">
-                <a:solidFill>
-                  <a:schemeClr val="dk1"/>
-                </a:solidFill>
-                <a:latin typeface="Proxima Nova"/>
-                <a:ea typeface="Proxima Nova"/>
-                <a:cs typeface="Proxima Nova"/>
-                <a:sym typeface="Proxima Nova"/>
-              </a:rPr>
-              <a:t>customers devices </a:t>
-            </a:r>
-            <a:r>
-              <a:rPr lang="en-US" sz="1500">
-                <a:solidFill>
-                  <a:schemeClr val="dk1"/>
-                </a:solidFill>
-                <a:latin typeface="Proxima Nova"/>
-                <a:ea typeface="Proxima Nova"/>
-                <a:cs typeface="Proxima Nova"/>
-                <a:sym typeface="Proxima Nova"/>
-              </a:rPr>
-              <a:t>(browser used, os, user agent, IP, etc…)</a:t>
+              <a:t> into homogeneous groups (Personas) in order to offer them more personalized solutions!</a:t>
             </a:r>
             <a:endParaRPr>
               <a:latin typeface="Proxima Nova"/>
@@ -12768,7 +12239,7 @@
                                           </p:stCondLst>
                                         </p:cTn>
                                         <p:tgtEl>
-                                          <p:spTgt spid="82"/>
+                                          <p:spTgt spid="76"/>
                                         </p:tgtEl>
                                         <p:attrNameLst>
                                           <p:attrName>style.visibility</p:attrName>
@@ -12782,7 +12253,7 @@
                                       <p:cBhvr>
                                         <p:cTn dur="1000"/>
                                         <p:tgtEl>
-                                          <p:spTgt spid="82"/>
+                                          <p:spTgt spid="76"/>
                                         </p:tgtEl>
                                       </p:cBhvr>
                                     </p:animEffect>
@@ -12821,7 +12292,7 @@
                                           </p:stCondLst>
                                         </p:cTn>
                                         <p:tgtEl>
-                                          <p:spTgt spid="83"/>
+                                          <p:spTgt spid="78"/>
                                         </p:tgtEl>
                                         <p:attrNameLst>
                                           <p:attrName>style.visibility</p:attrName>
@@ -12835,7 +12306,606 @@
                                       <p:cBhvr>
                                         <p:cTn dur="1000"/>
                                         <p:tgtEl>
-                                          <p:spTgt spid="83"/>
+                                          <p:spTgt spid="78"/>
+                                        </p:tgtEl>
+                                      </p:cBhvr>
+                                    </p:animEffect>
+                                  </p:childTnLst>
+                                </p:cTn>
+                              </p:par>
+                            </p:childTnLst>
+                          </p:cTn>
+                        </p:par>
+                      </p:childTnLst>
+                    </p:cTn>
+                  </p:par>
+                </p:childTnLst>
+              </p:cTn>
+              <p:prevCondLst>
+                <p:cond evt="onPrev">
+                  <p:tgtEl>
+                    <p:sldTgt/>
+                  </p:tgtEl>
+                </p:cond>
+              </p:prevCondLst>
+              <p:nextCondLst>
+                <p:cond evt="onNext">
+                  <p:tgtEl>
+                    <p:sldTgt/>
+                  </p:tgtEl>
+                </p:cond>
+              </p:nextCondLst>
+            </p:seq>
+          </p:childTnLst>
+        </p:cTn>
+      </p:par>
+    </p:tnLst>
+  </p:timing>
+</p:sld>
+</file>
+
+<file path=ppt/slides/slide5.xml><?xml version="1.0" encoding="utf-8"?>
+<p:sld xmlns:a="http://schemas.openxmlformats.org/drawingml/2006/main" xmlns:r="http://schemas.openxmlformats.org/officeDocument/2006/relationships" xmlns:mc="http://schemas.openxmlformats.org/markup-compatibility/2006" xmlns:mv="urn:schemas-microsoft-com:mac:vml" xmlns:p="http://schemas.openxmlformats.org/presentationml/2006/main" xmlns:c="http://schemas.openxmlformats.org/drawingml/2006/chart" xmlns:dgm="http://schemas.openxmlformats.org/drawingml/2006/diagram" xmlns:o="urn:schemas-microsoft-com:office:office" xmlns:v="urn:schemas-microsoft-com:vml" xmlns:pvml="urn:schemas-microsoft-com:office:powerpoint" xmlns:com="http://schemas.openxmlformats.org/drawingml/2006/compatibility" xmlns:p14="http://schemas.microsoft.com/office/powerpoint/2010/main" xmlns:p15="http://schemas.microsoft.com/office/powerpoint/2012/main" xmlns:ahyp="http://schemas.microsoft.com/office/drawing/2018/hyperlinkcolor">
+  <p:cSld>
+    <p:spTree>
+      <p:nvGrpSpPr>
+        <p:cNvPr id="82" name="Shape 82"/>
+        <p:cNvGrpSpPr/>
+        <p:nvPr/>
+      </p:nvGrpSpPr>
+      <p:grpSpPr>
+        <a:xfrm>
+          <a:off x="0" y="0"/>
+          <a:ext cx="0" cy="0"/>
+          <a:chOff x="0" y="0"/>
+          <a:chExt cx="0" cy="0"/>
+        </a:xfrm>
+      </p:grpSpPr>
+      <p:sp>
+        <p:nvSpPr>
+          <p:cNvPr id="83" name="Google Shape;83;g133c1f20611_0_15"/>
+          <p:cNvSpPr txBox="1"/>
+          <p:nvPr>
+            <p:ph type="title"/>
+          </p:nvPr>
+        </p:nvSpPr>
+        <p:spPr>
+          <a:xfrm>
+            <a:off x="311700" y="445025"/>
+            <a:ext cx="8520600" cy="572700"/>
+          </a:xfrm>
+          <a:prstGeom prst="rect">
+            <a:avLst/>
+          </a:prstGeom>
+          <a:noFill/>
+          <a:ln>
+            <a:noFill/>
+          </a:ln>
+        </p:spPr>
+        <p:txBody>
+          <a:bodyPr anchorCtr="0" anchor="t" bIns="91425" lIns="91425" spcFirstLastPara="1" rIns="91425" wrap="square" tIns="91425">
+            <a:noAutofit/>
+          </a:bodyPr>
+          <a:lstStyle/>
+          <a:p>
+            <a:pPr indent="0" lvl="0" marL="0" rtl="0" algn="l">
+              <a:lnSpc>
+                <a:spcPct val="100000"/>
+              </a:lnSpc>
+              <a:spcBef>
+                <a:spcPts val="0"/>
+              </a:spcBef>
+              <a:spcAft>
+                <a:spcPts val="0"/>
+              </a:spcAft>
+              <a:buSzPts val="2800"/>
+              <a:buNone/>
+            </a:pPr>
+            <a:r>
+              <a:rPr lang="en-US"/>
+              <a:t>Making of: The Data                                                  </a:t>
+            </a:r>
+            <a:endParaRPr/>
+          </a:p>
+        </p:txBody>
+      </p:sp>
+      <p:sp>
+        <p:nvSpPr>
+          <p:cNvPr id="84" name="Google Shape;84;g133c1f20611_0_15"/>
+          <p:cNvSpPr txBox="1"/>
+          <p:nvPr>
+            <p:ph idx="1" type="body"/>
+          </p:nvPr>
+        </p:nvSpPr>
+        <p:spPr>
+          <a:xfrm>
+            <a:off x="311700" y="1152475"/>
+            <a:ext cx="8520600" cy="1154700"/>
+          </a:xfrm>
+          <a:prstGeom prst="rect">
+            <a:avLst/>
+          </a:prstGeom>
+          <a:noFill/>
+          <a:ln>
+            <a:noFill/>
+          </a:ln>
+        </p:spPr>
+        <p:txBody>
+          <a:bodyPr anchorCtr="0" anchor="t" bIns="91425" lIns="91425" spcFirstLastPara="1" rIns="91425" wrap="square" tIns="91425">
+            <a:noAutofit/>
+          </a:bodyPr>
+          <a:lstStyle/>
+          <a:p>
+            <a:pPr indent="0" lvl="0" marL="0" rtl="0" algn="l">
+              <a:lnSpc>
+                <a:spcPct val="115000"/>
+              </a:lnSpc>
+              <a:spcBef>
+                <a:spcPts val="0"/>
+              </a:spcBef>
+              <a:spcAft>
+                <a:spcPts val="0"/>
+              </a:spcAft>
+              <a:buSzPts val="1900"/>
+              <a:buNone/>
+            </a:pPr>
+            <a:r>
+              <a:rPr lang="en-US"/>
+              <a:t>D</a:t>
+            </a:r>
+            <a:r>
+              <a:rPr lang="en-US"/>
+              <a:t>ataset with the following characteristics were used to develop the solution:</a:t>
+            </a:r>
+            <a:endParaRPr/>
+          </a:p>
+          <a:p>
+            <a:pPr indent="-349250" lvl="0" marL="457200" rtl="0" algn="l">
+              <a:lnSpc>
+                <a:spcPct val="115000"/>
+              </a:lnSpc>
+              <a:spcBef>
+                <a:spcPts val="0"/>
+              </a:spcBef>
+              <a:spcAft>
+                <a:spcPts val="0"/>
+              </a:spcAft>
+              <a:buSzPts val="1900"/>
+              <a:buChar char="●"/>
+            </a:pPr>
+            <a:r>
+              <a:rPr b="1" lang="en-US"/>
+              <a:t>structured mixed type</a:t>
+            </a:r>
+            <a:r>
+              <a:rPr lang="en-US"/>
+              <a:t> data</a:t>
+            </a:r>
+            <a:endParaRPr/>
+          </a:p>
+          <a:p>
+            <a:pPr indent="-349250" lvl="0" marL="457200" rtl="0" algn="l">
+              <a:lnSpc>
+                <a:spcPct val="115000"/>
+              </a:lnSpc>
+              <a:spcBef>
+                <a:spcPts val="0"/>
+              </a:spcBef>
+              <a:spcAft>
+                <a:spcPts val="0"/>
+              </a:spcAft>
+              <a:buSzPts val="1900"/>
+              <a:buChar char="●"/>
+            </a:pPr>
+            <a:r>
+              <a:rPr lang="en-US"/>
+              <a:t>presence of the </a:t>
+            </a:r>
+            <a:r>
+              <a:rPr b="1" lang="en-US"/>
+              <a:t>fraud label</a:t>
+            </a:r>
+            <a:endParaRPr b="1"/>
+          </a:p>
+          <a:p>
+            <a:pPr indent="0" lvl="0" marL="0" rtl="0" algn="l">
+              <a:lnSpc>
+                <a:spcPct val="115000"/>
+              </a:lnSpc>
+              <a:spcBef>
+                <a:spcPts val="0"/>
+              </a:spcBef>
+              <a:spcAft>
+                <a:spcPts val="0"/>
+              </a:spcAft>
+              <a:buNone/>
+            </a:pPr>
+            <a:r>
+              <a:t/>
+            </a:r>
+            <a:endParaRPr/>
+          </a:p>
+          <a:p>
+            <a:pPr indent="0" lvl="0" marL="0" rtl="0" algn="l">
+              <a:lnSpc>
+                <a:spcPct val="115000"/>
+              </a:lnSpc>
+              <a:spcBef>
+                <a:spcPts val="0"/>
+              </a:spcBef>
+              <a:spcAft>
+                <a:spcPts val="0"/>
+              </a:spcAft>
+              <a:buNone/>
+            </a:pPr>
+            <a:r>
+              <a:t/>
+            </a:r>
+            <a:endParaRPr sz="1500"/>
+          </a:p>
+        </p:txBody>
+      </p:sp>
+      <p:sp>
+        <p:nvSpPr>
+          <p:cNvPr id="85" name="Google Shape;85;g133c1f20611_0_15"/>
+          <p:cNvSpPr txBox="1"/>
+          <p:nvPr/>
+        </p:nvSpPr>
+        <p:spPr>
+          <a:xfrm>
+            <a:off x="345725" y="2455325"/>
+            <a:ext cx="8486700" cy="1822500"/>
+          </a:xfrm>
+          <a:prstGeom prst="rect">
+            <a:avLst/>
+          </a:prstGeom>
+          <a:noFill/>
+          <a:ln>
+            <a:noFill/>
+          </a:ln>
+        </p:spPr>
+        <p:txBody>
+          <a:bodyPr anchorCtr="0" anchor="t" bIns="91425" lIns="91425" spcFirstLastPara="1" rIns="91425" wrap="square" tIns="91425">
+            <a:spAutoFit/>
+          </a:bodyPr>
+          <a:lstStyle/>
+          <a:p>
+            <a:pPr indent="0" lvl="0" marL="0" rtl="0" algn="l">
+              <a:lnSpc>
+                <a:spcPct val="115000"/>
+              </a:lnSpc>
+              <a:spcBef>
+                <a:spcPts val="0"/>
+              </a:spcBef>
+              <a:spcAft>
+                <a:spcPts val="0"/>
+              </a:spcAft>
+              <a:buNone/>
+            </a:pPr>
+            <a:r>
+              <a:rPr lang="en-US" sz="1900">
+                <a:solidFill>
+                  <a:schemeClr val="dk1"/>
+                </a:solidFill>
+                <a:latin typeface="Proxima Nova"/>
+                <a:ea typeface="Proxima Nova"/>
+                <a:cs typeface="Proxima Nova"/>
+                <a:sym typeface="Proxima Nova"/>
+              </a:rPr>
+              <a:t>What information is stored on it?</a:t>
+            </a:r>
+            <a:endParaRPr sz="1900">
+              <a:solidFill>
+                <a:schemeClr val="dk1"/>
+              </a:solidFill>
+              <a:latin typeface="Proxima Nova"/>
+              <a:ea typeface="Proxima Nova"/>
+              <a:cs typeface="Proxima Nova"/>
+              <a:sym typeface="Proxima Nova"/>
+            </a:endParaRPr>
+          </a:p>
+          <a:p>
+            <a:pPr indent="-349250" lvl="0" marL="457200" rtl="0" algn="l">
+              <a:lnSpc>
+                <a:spcPct val="115000"/>
+              </a:lnSpc>
+              <a:spcBef>
+                <a:spcPts val="0"/>
+              </a:spcBef>
+              <a:spcAft>
+                <a:spcPts val="0"/>
+              </a:spcAft>
+              <a:buClr>
+                <a:schemeClr val="dk1"/>
+              </a:buClr>
+              <a:buSzPts val="1900"/>
+              <a:buFont typeface="Proxima Nova"/>
+              <a:buChar char="●"/>
+            </a:pPr>
+            <a:r>
+              <a:rPr lang="en-US" sz="1900">
+                <a:solidFill>
+                  <a:schemeClr val="dk1"/>
+                </a:solidFill>
+                <a:latin typeface="Proxima Nova"/>
+                <a:ea typeface="Proxima Nova"/>
+                <a:cs typeface="Proxima Nova"/>
+                <a:sym typeface="Proxima Nova"/>
+              </a:rPr>
+              <a:t>transactions </a:t>
+            </a:r>
+            <a:r>
+              <a:rPr lang="en-US" sz="1500">
+                <a:solidFill>
+                  <a:schemeClr val="dk1"/>
+                </a:solidFill>
+                <a:latin typeface="Proxima Nova"/>
+                <a:ea typeface="Proxima Nova"/>
+                <a:cs typeface="Proxima Nova"/>
+                <a:sym typeface="Proxima Nova"/>
+              </a:rPr>
+              <a:t>(amount, product type, etc…)</a:t>
+            </a:r>
+            <a:endParaRPr sz="1500">
+              <a:solidFill>
+                <a:schemeClr val="dk1"/>
+              </a:solidFill>
+              <a:latin typeface="Proxima Nova"/>
+              <a:ea typeface="Proxima Nova"/>
+              <a:cs typeface="Proxima Nova"/>
+              <a:sym typeface="Proxima Nova"/>
+            </a:endParaRPr>
+          </a:p>
+          <a:p>
+            <a:pPr indent="-349250" lvl="0" marL="457200" rtl="0" algn="l">
+              <a:lnSpc>
+                <a:spcPct val="115000"/>
+              </a:lnSpc>
+              <a:spcBef>
+                <a:spcPts val="0"/>
+              </a:spcBef>
+              <a:spcAft>
+                <a:spcPts val="0"/>
+              </a:spcAft>
+              <a:buClr>
+                <a:schemeClr val="dk1"/>
+              </a:buClr>
+              <a:buSzPts val="1900"/>
+              <a:buFont typeface="Proxima Nova"/>
+              <a:buChar char="●"/>
+            </a:pPr>
+            <a:r>
+              <a:rPr lang="en-US" sz="1900">
+                <a:solidFill>
+                  <a:schemeClr val="dk1"/>
+                </a:solidFill>
+                <a:latin typeface="Proxima Nova"/>
+                <a:ea typeface="Proxima Nova"/>
+                <a:cs typeface="Proxima Nova"/>
+                <a:sym typeface="Proxima Nova"/>
+              </a:rPr>
+              <a:t>payments </a:t>
+            </a:r>
+            <a:r>
+              <a:rPr lang="en-US" sz="1500">
+                <a:solidFill>
+                  <a:schemeClr val="dk1"/>
+                </a:solidFill>
+                <a:latin typeface="Proxima Nova"/>
+                <a:ea typeface="Proxima Nova"/>
+                <a:cs typeface="Proxima Nova"/>
+                <a:sym typeface="Proxima Nova"/>
+              </a:rPr>
+              <a:t>(card type, card issuer, region, etc…)</a:t>
+            </a:r>
+            <a:endParaRPr sz="1500">
+              <a:solidFill>
+                <a:schemeClr val="dk1"/>
+              </a:solidFill>
+              <a:latin typeface="Proxima Nova"/>
+              <a:ea typeface="Proxima Nova"/>
+              <a:cs typeface="Proxima Nova"/>
+              <a:sym typeface="Proxima Nova"/>
+            </a:endParaRPr>
+          </a:p>
+          <a:p>
+            <a:pPr indent="-349250" lvl="0" marL="457200" rtl="0" algn="l">
+              <a:lnSpc>
+                <a:spcPct val="115000"/>
+              </a:lnSpc>
+              <a:spcBef>
+                <a:spcPts val="0"/>
+              </a:spcBef>
+              <a:spcAft>
+                <a:spcPts val="0"/>
+              </a:spcAft>
+              <a:buClr>
+                <a:schemeClr val="dk1"/>
+              </a:buClr>
+              <a:buSzPts val="1900"/>
+              <a:buFont typeface="Proxima Nova"/>
+              <a:buChar char="●"/>
+            </a:pPr>
+            <a:r>
+              <a:rPr lang="en-US" sz="1900">
+                <a:solidFill>
+                  <a:schemeClr val="dk1"/>
+                </a:solidFill>
+                <a:latin typeface="Proxima Nova"/>
+                <a:ea typeface="Proxima Nova"/>
+                <a:cs typeface="Proxima Nova"/>
+                <a:sym typeface="Proxima Nova"/>
+              </a:rPr>
+              <a:t>customers behavior on the website</a:t>
+            </a:r>
+            <a:endParaRPr sz="1900">
+              <a:solidFill>
+                <a:schemeClr val="dk1"/>
+              </a:solidFill>
+              <a:latin typeface="Proxima Nova"/>
+              <a:ea typeface="Proxima Nova"/>
+              <a:cs typeface="Proxima Nova"/>
+              <a:sym typeface="Proxima Nova"/>
+            </a:endParaRPr>
+          </a:p>
+          <a:p>
+            <a:pPr indent="-349250" lvl="0" marL="457200" rtl="0" algn="l">
+              <a:lnSpc>
+                <a:spcPct val="115000"/>
+              </a:lnSpc>
+              <a:spcBef>
+                <a:spcPts val="0"/>
+              </a:spcBef>
+              <a:spcAft>
+                <a:spcPts val="0"/>
+              </a:spcAft>
+              <a:buClr>
+                <a:schemeClr val="dk1"/>
+              </a:buClr>
+              <a:buSzPts val="1900"/>
+              <a:buFont typeface="Proxima Nova"/>
+              <a:buChar char="●"/>
+            </a:pPr>
+            <a:r>
+              <a:rPr lang="en-US" sz="1900">
+                <a:solidFill>
+                  <a:schemeClr val="dk1"/>
+                </a:solidFill>
+                <a:latin typeface="Proxima Nova"/>
+                <a:ea typeface="Proxima Nova"/>
+                <a:cs typeface="Proxima Nova"/>
+                <a:sym typeface="Proxima Nova"/>
+              </a:rPr>
+              <a:t>customers devices </a:t>
+            </a:r>
+            <a:r>
+              <a:rPr lang="en-US" sz="1500">
+                <a:solidFill>
+                  <a:schemeClr val="dk1"/>
+                </a:solidFill>
+                <a:latin typeface="Proxima Nova"/>
+                <a:ea typeface="Proxima Nova"/>
+                <a:cs typeface="Proxima Nova"/>
+                <a:sym typeface="Proxima Nova"/>
+              </a:rPr>
+              <a:t>(browser used, os, user agent, IP, etc…)</a:t>
+            </a:r>
+            <a:endParaRPr>
+              <a:latin typeface="Proxima Nova"/>
+              <a:ea typeface="Proxima Nova"/>
+              <a:cs typeface="Proxima Nova"/>
+              <a:sym typeface="Proxima Nova"/>
+            </a:endParaRPr>
+          </a:p>
+        </p:txBody>
+      </p:sp>
+    </p:spTree>
+  </p:cSld>
+  <p:clrMapOvr>
+    <a:masterClrMapping/>
+  </p:clrMapOvr>
+  <p:timing>
+    <p:tnLst>
+      <p:par>
+        <p:cTn dur="indefinite" nodeType="tmRoot" restart="never">
+          <p:childTnLst>
+            <p:seq concurrent="1" nextAc="seek">
+              <p:cTn dur="indefinite" id="2" nodeType="mainSeq">
+                <p:childTnLst>
+                  <p:par>
+                    <p:cTn fill="hold">
+                      <p:stCondLst>
+                        <p:cond delay="indefinite"/>
+                      </p:stCondLst>
+                      <p:childTnLst>
+                        <p:par>
+                          <p:cTn fill="hold">
+                            <p:stCondLst>
+                              <p:cond delay="0"/>
+                            </p:stCondLst>
+                            <p:childTnLst>
+                              <p:par>
+                                <p:cTn fill="hold" nodeType="clickEffect" presetClass="entr" presetID="10" presetSubtype="0">
+                                  <p:stCondLst>
+                                    <p:cond delay="0"/>
+                                  </p:stCondLst>
+                                  <p:childTnLst>
+                                    <p:set>
+                                      <p:cBhvr>
+                                        <p:cTn dur="1" fill="hold">
+                                          <p:stCondLst>
+                                            <p:cond delay="0"/>
+                                          </p:stCondLst>
+                                        </p:cTn>
+                                        <p:tgtEl>
+                                          <p:spTgt spid="84"/>
+                                        </p:tgtEl>
+                                        <p:attrNameLst>
+                                          <p:attrName>style.visibility</p:attrName>
+                                        </p:attrNameLst>
+                                      </p:cBhvr>
+                                      <p:to>
+                                        <p:strVal val="visible"/>
+                                      </p:to>
+                                    </p:set>
+                                    <p:animEffect filter="fade" transition="in">
+                                      <p:cBhvr>
+                                        <p:cTn dur="1000"/>
+                                        <p:tgtEl>
+                                          <p:spTgt spid="84"/>
+                                        </p:tgtEl>
+                                      </p:cBhvr>
+                                    </p:animEffect>
+                                  </p:childTnLst>
+                                </p:cTn>
+                              </p:par>
+                            </p:childTnLst>
+                          </p:cTn>
+                        </p:par>
+                      </p:childTnLst>
+                    </p:cTn>
+                  </p:par>
+                  <p:par>
+                    <p:cTn fill="hold">
+                      <p:stCondLst>
+                        <p:cond delay="indefinite"/>
+                      </p:stCondLst>
+                      <p:childTnLst>
+                        <p:par>
+                          <p:cTn fill="hold">
+                            <p:stCondLst>
+                              <p:cond delay="0"/>
+                            </p:stCondLst>
+                            <p:childTnLst>
+                              <p:par>
+                                <p:cTn fill="hold" nodeType="clickEffect" presetClass="entr" presetID="10" presetSubtype="0">
+                                  <p:stCondLst>
+                                    <p:cond delay="0"/>
+                                  </p:stCondLst>
+                                  <p:childTnLst>
+                                    <p:set>
+                                      <p:cBhvr>
+                                        <p:cTn dur="1" fill="hold">
+                                          <p:stCondLst>
+                                            <p:cond delay="0"/>
+                                          </p:stCondLst>
+                                        </p:cTn>
+                                        <p:tgtEl>
+                                          <p:spTgt spid="85"/>
+                                        </p:tgtEl>
+                                        <p:attrNameLst>
+                                          <p:attrName>style.visibility</p:attrName>
+                                        </p:attrNameLst>
+                                      </p:cBhvr>
+                                      <p:to>
+                                        <p:strVal val="visible"/>
+                                      </p:to>
+                                    </p:set>
+                                    <p:animEffect filter="fade" transition="in">
+                                      <p:cBhvr>
+                                        <p:cTn dur="1000"/>
+                                        <p:tgtEl>
+                                          <p:spTgt spid="85"/>
                                         </p:tgtEl>
                                       </p:cBhvr>
                                     </p:animEffect>
@@ -12878,7 +12948,7 @@
   <p:cSld>
     <p:spTree>
       <p:nvGrpSpPr>
-        <p:cNvPr id="87" name="Shape 87"/>
+        <p:cNvPr id="89" name="Shape 89"/>
         <p:cNvGrpSpPr/>
         <p:nvPr/>
       </p:nvGrpSpPr>
@@ -12892,7 +12962,7 @@
       </p:grpSpPr>
       <p:sp>
         <p:nvSpPr>
-          <p:cNvPr id="88" name="Google Shape;88;g18940af33f5_0_9"/>
+          <p:cNvPr id="90" name="Google Shape;90;g18940af33f5_0_9"/>
           <p:cNvSpPr txBox="1"/>
           <p:nvPr>
             <p:ph type="title"/>
@@ -12940,7 +13010,7 @@
       </p:sp>
       <p:sp>
         <p:nvSpPr>
-          <p:cNvPr id="89" name="Google Shape;89;g18940af33f5_0_9"/>
+          <p:cNvPr id="91" name="Google Shape;91;g18940af33f5_0_9"/>
           <p:cNvSpPr txBox="1"/>
           <p:nvPr>
             <p:ph idx="1" type="body"/>
@@ -13015,7 +13085,7 @@
       </p:sp>
       <p:grpSp>
         <p:nvGrpSpPr>
-          <p:cNvPr id="90" name="Google Shape;90;g18940af33f5_0_9"/>
+          <p:cNvPr id="92" name="Google Shape;92;g18940af33f5_0_9"/>
           <p:cNvGrpSpPr/>
           <p:nvPr/>
         </p:nvGrpSpPr>
@@ -13029,7 +13099,7 @@
         </p:grpSpPr>
         <p:sp>
           <p:nvSpPr>
-            <p:cNvPr id="91" name="Google Shape;91;g18940af33f5_0_9"/>
+            <p:cNvPr id="93" name="Google Shape;93;g18940af33f5_0_9"/>
             <p:cNvSpPr/>
             <p:nvPr/>
           </p:nvSpPr>
@@ -13075,7 +13145,7 @@
         </p:sp>
         <p:sp>
           <p:nvSpPr>
-            <p:cNvPr id="92" name="Google Shape;92;g18940af33f5_0_9"/>
+            <p:cNvPr id="94" name="Google Shape;94;g18940af33f5_0_9"/>
             <p:cNvSpPr txBox="1"/>
             <p:nvPr/>
           </p:nvSpPr>
@@ -13133,14 +13203,14 @@
         </p:sp>
         <p:sp>
           <p:nvSpPr>
-            <p:cNvPr id="93" name="Google Shape;93;g18940af33f5_0_9"/>
+            <p:cNvPr id="95" name="Google Shape;95;g18940af33f5_0_9"/>
             <p:cNvSpPr txBox="1"/>
             <p:nvPr/>
           </p:nvSpPr>
           <p:spPr>
             <a:xfrm>
-              <a:off x="3318838" y="2604477"/>
-              <a:ext cx="1451700" cy="512400"/>
+              <a:off x="3318831" y="2607025"/>
+              <a:ext cx="1451700" cy="871500"/>
             </a:xfrm>
             <a:prstGeom prst="rect">
               <a:avLst/>
@@ -13171,16 +13241,16 @@
               <a:r>
                 <a:rPr lang="en-US" sz="800">
                   <a:solidFill>
-                    <a:srgbClr val="FFFFFF"/>
+                    <a:schemeClr val="lt1"/>
                   </a:solidFill>
                   <a:latin typeface="Roboto"/>
                   <a:ea typeface="Roboto"/>
                   <a:cs typeface="Roboto"/>
                   <a:sym typeface="Roboto"/>
                 </a:rPr>
-                <a:t>An approach for discovering hidden patterns and relationships</a:t>
+                <a:t>An approach for discovering hidden patterns and relationships. </a:t>
               </a:r>
-              <a:endParaRPr sz="1100">
+              <a:endParaRPr sz="800">
                 <a:solidFill>
                   <a:srgbClr val="FFFFFF"/>
                 </a:solidFill>
@@ -13195,7 +13265,7 @@
       </p:grpSp>
       <p:grpSp>
         <p:nvGrpSpPr>
-          <p:cNvPr id="94" name="Google Shape;94;g18940af33f5_0_9"/>
+          <p:cNvPr id="96" name="Google Shape;96;g18940af33f5_0_9"/>
           <p:cNvGrpSpPr/>
           <p:nvPr/>
         </p:nvGrpSpPr>
@@ -13209,7 +13279,7 @@
         </p:grpSpPr>
         <p:sp>
           <p:nvSpPr>
-            <p:cNvPr id="95" name="Google Shape;95;g18940af33f5_0_9"/>
+            <p:cNvPr id="97" name="Google Shape;97;g18940af33f5_0_9"/>
             <p:cNvSpPr/>
             <p:nvPr/>
           </p:nvSpPr>
@@ -13255,7 +13325,7 @@
         </p:sp>
         <p:sp>
           <p:nvSpPr>
-            <p:cNvPr id="96" name="Google Shape;96;g18940af33f5_0_9"/>
+            <p:cNvPr id="98" name="Google Shape;98;g18940af33f5_0_9"/>
             <p:cNvSpPr txBox="1"/>
             <p:nvPr/>
           </p:nvSpPr>
@@ -13297,7 +13367,7 @@
                   <a:cs typeface="Roboto"/>
                   <a:sym typeface="Roboto"/>
                 </a:rPr>
-                <a:t>Rule - based</a:t>
+                <a:t>Rule based</a:t>
               </a:r>
               <a:endParaRPr sz="1100">
                 <a:solidFill>
@@ -13313,14 +13383,14 @@
         </p:sp>
         <p:sp>
           <p:nvSpPr>
-            <p:cNvPr id="97" name="Google Shape;97;g18940af33f5_0_9"/>
+            <p:cNvPr id="99" name="Google Shape;99;g18940af33f5_0_9"/>
             <p:cNvSpPr txBox="1"/>
             <p:nvPr/>
           </p:nvSpPr>
           <p:spPr>
             <a:xfrm>
-              <a:off x="1351625" y="2604477"/>
-              <a:ext cx="1451700" cy="512400"/>
+              <a:off x="1351638" y="2614075"/>
+              <a:ext cx="1451700" cy="805200"/>
             </a:xfrm>
             <a:prstGeom prst="rect">
               <a:avLst/>
@@ -13351,16 +13421,16 @@
               <a:r>
                 <a:rPr lang="en-US" sz="800">
                   <a:solidFill>
-                    <a:srgbClr val="FFFFFF"/>
+                    <a:schemeClr val="lt1"/>
                   </a:solidFill>
                   <a:latin typeface="Roboto"/>
                   <a:ea typeface="Roboto"/>
                   <a:cs typeface="Roboto"/>
                   <a:sym typeface="Roboto"/>
                 </a:rPr>
-                <a:t>An approach for emulating and exploiting human domain knowledge of the investigators</a:t>
+                <a:t>An approach for emulating and exploiting human domain knowledge. </a:t>
               </a:r>
-              <a:endParaRPr sz="1100">
+              <a:endParaRPr sz="800">
                 <a:solidFill>
                   <a:srgbClr val="FFFFFF"/>
                 </a:solidFill>
@@ -13375,7 +13445,7 @@
       </p:grpSp>
       <p:grpSp>
         <p:nvGrpSpPr>
-          <p:cNvPr id="98" name="Google Shape;98;g18940af33f5_0_9"/>
+          <p:cNvPr id="100" name="Google Shape;100;g18940af33f5_0_9"/>
           <p:cNvGrpSpPr/>
           <p:nvPr/>
         </p:nvGrpSpPr>
@@ -13389,7 +13459,7 @@
         </p:grpSpPr>
         <p:sp>
           <p:nvSpPr>
-            <p:cNvPr id="99" name="Google Shape;99;g18940af33f5_0_9"/>
+            <p:cNvPr id="101" name="Google Shape;101;g18940af33f5_0_9"/>
             <p:cNvSpPr/>
             <p:nvPr/>
           </p:nvSpPr>
@@ -13480,7 +13550,7 @@
         </p:sp>
         <p:sp>
           <p:nvSpPr>
-            <p:cNvPr id="100" name="Google Shape;100;g18940af33f5_0_9"/>
+            <p:cNvPr id="102" name="Google Shape;102;g18940af33f5_0_9"/>
             <p:cNvSpPr txBox="1"/>
             <p:nvPr/>
           </p:nvSpPr>
@@ -13538,13 +13608,13 @@
         </p:sp>
         <p:sp>
           <p:nvSpPr>
-            <p:cNvPr id="101" name="Google Shape;101;g18940af33f5_0_9"/>
+            <p:cNvPr id="103" name="Google Shape;103;g18940af33f5_0_9"/>
             <p:cNvSpPr txBox="1"/>
             <p:nvPr/>
           </p:nvSpPr>
           <p:spPr>
             <a:xfrm>
-              <a:off x="5360225" y="2716353"/>
+              <a:off x="5360225" y="2575266"/>
               <a:ext cx="2417100" cy="512400"/>
             </a:xfrm>
             <a:prstGeom prst="rect">
@@ -13583,7 +13653,7 @@
                   <a:cs typeface="Roboto"/>
                   <a:sym typeface="Roboto"/>
                 </a:rPr>
-                <a:t>A Bayesian average of the scores obtained from the previous steps</a:t>
+                <a:t>A Bayesian average of the scores obtained from the previous steps.</a:t>
               </a:r>
               <a:endParaRPr sz="1100">
                 <a:solidFill>
@@ -13600,7 +13670,7 @@
       </p:grpSp>
       <p:grpSp>
         <p:nvGrpSpPr>
-          <p:cNvPr id="102" name="Google Shape;102;g18940af33f5_0_9"/>
+          <p:cNvPr id="104" name="Google Shape;104;g18940af33f5_0_9"/>
           <p:cNvGrpSpPr/>
           <p:nvPr/>
         </p:nvGrpSpPr>
@@ -13614,7 +13684,7 @@
         </p:grpSpPr>
         <p:sp>
           <p:nvSpPr>
-            <p:cNvPr id="103" name="Google Shape;103;g18940af33f5_0_9"/>
+            <p:cNvPr id="105" name="Google Shape;105;g18940af33f5_0_9"/>
             <p:cNvSpPr/>
             <p:nvPr/>
           </p:nvSpPr>
@@ -13657,7 +13727,7 @@
         </p:sp>
         <p:sp>
           <p:nvSpPr>
-            <p:cNvPr id="104" name="Google Shape;104;g18940af33f5_0_9"/>
+            <p:cNvPr id="106" name="Google Shape;106;g18940af33f5_0_9"/>
             <p:cNvSpPr/>
             <p:nvPr/>
           </p:nvSpPr>
@@ -13704,7 +13774,7 @@
       </p:grpSp>
       <p:grpSp>
         <p:nvGrpSpPr>
-          <p:cNvPr id="105" name="Google Shape;105;g18940af33f5_0_9"/>
+          <p:cNvPr id="107" name="Google Shape;107;g18940af33f5_0_9"/>
           <p:cNvGrpSpPr/>
           <p:nvPr/>
         </p:nvGrpSpPr>
@@ -13718,7 +13788,7 @@
         </p:grpSpPr>
         <p:sp>
           <p:nvSpPr>
-            <p:cNvPr id="106" name="Google Shape;106;g18940af33f5_0_9"/>
+            <p:cNvPr id="108" name="Google Shape;108;g18940af33f5_0_9"/>
             <p:cNvSpPr/>
             <p:nvPr/>
           </p:nvSpPr>
@@ -13761,7 +13831,7 @@
         </p:sp>
         <p:sp>
           <p:nvSpPr>
-            <p:cNvPr id="107" name="Google Shape;107;g18940af33f5_0_9"/>
+            <p:cNvPr id="109" name="Google Shape;109;g18940af33f5_0_9"/>
             <p:cNvSpPr/>
             <p:nvPr/>
           </p:nvSpPr>
@@ -13805,86 +13875,6 @@
           </p:txBody>
         </p:sp>
       </p:grpSp>
-      <p:pic>
-        <p:nvPicPr>
-          <p:cNvPr id="108" name="Google Shape;108;g18940af33f5_0_9"/>
-          <p:cNvPicPr preferRelativeResize="0"/>
-          <p:nvPr/>
-        </p:nvPicPr>
-        <p:blipFill>
-          <a:blip r:embed="rId3">
-            <a:alphaModFix/>
-          </a:blip>
-          <a:stretch>
-            <a:fillRect/>
-          </a:stretch>
-        </p:blipFill>
-        <p:spPr>
-          <a:xfrm>
-            <a:off x="2742312" y="4116574"/>
-            <a:ext cx="2607685" cy="572700"/>
-          </a:xfrm>
-          <a:prstGeom prst="rect">
-            <a:avLst/>
-          </a:prstGeom>
-          <a:noFill/>
-          <a:ln>
-            <a:noFill/>
-          </a:ln>
-        </p:spPr>
-      </p:pic>
-      <p:sp>
-        <p:nvSpPr>
-          <p:cNvPr id="109" name="Google Shape;109;g18940af33f5_0_9"/>
-          <p:cNvSpPr txBox="1"/>
-          <p:nvPr/>
-        </p:nvSpPr>
-        <p:spPr>
-          <a:xfrm>
-            <a:off x="3073850" y="3781750"/>
-            <a:ext cx="2612700" cy="369300"/>
-          </a:xfrm>
-          <a:prstGeom prst="rect">
-            <a:avLst/>
-          </a:prstGeom>
-          <a:noFill/>
-          <a:ln>
-            <a:noFill/>
-          </a:ln>
-        </p:spPr>
-        <p:txBody>
-          <a:bodyPr anchorCtr="0" anchor="t" bIns="91425" lIns="91425" spcFirstLastPara="1" rIns="91425" wrap="square" tIns="91425">
-            <a:spAutoFit/>
-          </a:bodyPr>
-          <a:lstStyle/>
-          <a:p>
-            <a:pPr indent="0" lvl="0" marL="0" rtl="0" algn="l">
-              <a:spcBef>
-                <a:spcPts val="0"/>
-              </a:spcBef>
-              <a:spcAft>
-                <a:spcPts val="0"/>
-              </a:spcAft>
-              <a:buNone/>
-            </a:pPr>
-            <a:r>
-              <a:rPr lang="en-US" sz="1200">
-                <a:latin typeface="Proxima Nova"/>
-                <a:ea typeface="Proxima Nova"/>
-                <a:cs typeface="Proxima Nova"/>
-                <a:sym typeface="Proxima Nova"/>
-              </a:rPr>
-              <a:t>The results on the test set:</a:t>
-            </a:r>
-            <a:endParaRPr sz="1200">
-              <a:latin typeface="Proxima Nova"/>
-              <a:ea typeface="Proxima Nova"/>
-              <a:cs typeface="Proxima Nova"/>
-              <a:sym typeface="Proxima Nova"/>
-            </a:endParaRPr>
-          </a:p>
-        </p:txBody>
-      </p:sp>
     </p:spTree>
   </p:cSld>
   <p:clrMapOvr>
@@ -13924,7 +13914,7 @@
                                           </p:stCondLst>
                                         </p:cTn>
                                         <p:tgtEl>
-                                          <p:spTgt spid="94"/>
+                                          <p:spTgt spid="96"/>
                                         </p:tgtEl>
                                         <p:attrNameLst>
                                           <p:attrName>style.visibility</p:attrName>
@@ -13938,7 +13928,7 @@
                                       <p:cBhvr>
                                         <p:cTn dur="1000"/>
                                         <p:tgtEl>
-                                          <p:spTgt spid="94"/>
+                                          <p:spTgt spid="96"/>
                                         </p:tgtEl>
                                       </p:cBhvr>
                                     </p:animEffect>
@@ -13968,7 +13958,7 @@
                                           </p:stCondLst>
                                         </p:cTn>
                                         <p:tgtEl>
-                                          <p:spTgt spid="105"/>
+                                          <p:spTgt spid="107"/>
                                         </p:tgtEl>
                                         <p:attrNameLst>
                                           <p:attrName>style.visibility</p:attrName>
@@ -13982,7 +13972,7 @@
                                       <p:cBhvr>
                                         <p:cTn dur="1000"/>
                                         <p:tgtEl>
-                                          <p:spTgt spid="105"/>
+                                          <p:spTgt spid="107"/>
                                         </p:tgtEl>
                                       </p:cBhvr>
                                     </p:animEffect>
@@ -14021,7 +14011,7 @@
                                           </p:stCondLst>
                                         </p:cTn>
                                         <p:tgtEl>
-                                          <p:spTgt spid="90"/>
+                                          <p:spTgt spid="92"/>
                                         </p:tgtEl>
                                         <p:attrNameLst>
                                           <p:attrName>style.visibility</p:attrName>
@@ -14035,77 +14025,7 @@
                                       <p:cBhvr>
                                         <p:cTn dur="1000"/>
                                         <p:tgtEl>
-                                          <p:spTgt spid="90"/>
-                                        </p:tgtEl>
-                                      </p:cBhvr>
-                                    </p:animEffect>
-                                  </p:childTnLst>
-                                </p:cTn>
-                              </p:par>
-                              <p:par>
-                                <p:cTn fill="hold" nodeType="withEffect" presetClass="entr" presetID="10" presetSubtype="0">
-                                  <p:stCondLst>
-                                    <p:cond delay="0"/>
-                                  </p:stCondLst>
-                                  <p:childTnLst>
-                                    <p:set>
-                                      <p:cBhvr>
-                                        <p:cTn dur="1" fill="hold">
-                                          <p:stCondLst>
-                                            <p:cond delay="0"/>
-                                          </p:stCondLst>
-                                        </p:cTn>
-                                        <p:tgtEl>
-                                          <p:spTgt spid="109"/>
-                                        </p:tgtEl>
-                                        <p:attrNameLst>
-                                          <p:attrName>style.visibility</p:attrName>
-                                        </p:attrNameLst>
-                                      </p:cBhvr>
-                                      <p:to>
-                                        <p:strVal val="visible"/>
-                                      </p:to>
-                                    </p:set>
-                                    <p:animEffect filter="fade" transition="in">
-                                      <p:cBhvr>
-                                        <p:cTn dur="1000"/>
-                                        <p:tgtEl>
-                                          <p:spTgt spid="109"/>
-                                        </p:tgtEl>
-                                      </p:cBhvr>
-                                    </p:animEffect>
-                                  </p:childTnLst>
-                                </p:cTn>
-                              </p:par>
-                              <p:par>
-                                <p:cTn fill="hold" nodeType="withEffect" presetClass="entr" presetID="10" presetSubtype="0">
-                                  <p:stCondLst>
-                                    <p:cond delay="0"/>
-                                  </p:stCondLst>
-                                  <p:childTnLst>
-                                    <p:set>
-                                      <p:cBhvr>
-                                        <p:cTn dur="1" fill="hold">
-                                          <p:stCondLst>
-                                            <p:cond delay="0"/>
-                                          </p:stCondLst>
-                                        </p:cTn>
-                                        <p:tgtEl>
-                                          <p:spTgt spid="108"/>
-                                        </p:tgtEl>
-                                        <p:attrNameLst>
-                                          <p:attrName>style.visibility</p:attrName>
-                                        </p:attrNameLst>
-                                      </p:cBhvr>
-                                      <p:to>
-                                        <p:strVal val="visible"/>
-                                      </p:to>
-                                    </p:set>
-                                    <p:animEffect filter="fade" transition="in">
-                                      <p:cBhvr>
-                                        <p:cTn dur="1000"/>
-                                        <p:tgtEl>
-                                          <p:spTgt spid="108"/>
+                                          <p:spTgt spid="92"/>
                                         </p:tgtEl>
                                       </p:cBhvr>
                                     </p:animEffect>
@@ -14135,7 +14055,7 @@
                                           </p:stCondLst>
                                         </p:cTn>
                                         <p:tgtEl>
-                                          <p:spTgt spid="102"/>
+                                          <p:spTgt spid="104"/>
                                         </p:tgtEl>
                                         <p:attrNameLst>
                                           <p:attrName>style.visibility</p:attrName>
@@ -14149,7 +14069,7 @@
                                       <p:cBhvr>
                                         <p:cTn dur="1000"/>
                                         <p:tgtEl>
-                                          <p:spTgt spid="102"/>
+                                          <p:spTgt spid="104"/>
                                         </p:tgtEl>
                                       </p:cBhvr>
                                     </p:animEffect>
@@ -14188,7 +14108,7 @@
                                           </p:stCondLst>
                                         </p:cTn>
                                         <p:tgtEl>
-                                          <p:spTgt spid="98"/>
+                                          <p:spTgt spid="100"/>
                                         </p:tgtEl>
                                         <p:attrNameLst>
                                           <p:attrName>style.visibility</p:attrName>
@@ -14202,7 +14122,7 @@
                                       <p:cBhvr>
                                         <p:cTn dur="1000"/>
                                         <p:tgtEl>
-                                          <p:spTgt spid="98"/>
+                                          <p:spTgt spid="100"/>
                                         </p:tgtEl>
                                       </p:cBhvr>
                                     </p:animEffect>
@@ -14714,7 +14634,7 @@
                   <a:cs typeface="Proxima Nova"/>
                   <a:sym typeface="Proxima Nova"/>
                 </a:rPr>
-                <a:t> was used to identify groups of customers with similar </a:t>
+                <a:t> is used to identify groups of customers with similar </a:t>
               </a:r>
               <a:r>
                 <a:rPr b="1" lang="en-US" sz="1500">
@@ -14897,7 +14817,7 @@
                   <a:cs typeface="Proxima Nova"/>
                   <a:sym typeface="Proxima Nova"/>
                 </a:rPr>
-                <a:t>The cluster labels are later used for </a:t>
+                <a:t>The cluster labels are used for </a:t>
               </a:r>
               <a:r>
                 <a:rPr b="1" lang="en-US" sz="1500">
@@ -14933,58 +14853,6 @@
           </p:txBody>
         </p:sp>
       </p:grpSp>
-      <p:sp>
-        <p:nvSpPr>
-          <p:cNvPr id="125" name="Google Shape;125;g18940af33f5_0_872"/>
-          <p:cNvSpPr txBox="1"/>
-          <p:nvPr/>
-        </p:nvSpPr>
-        <p:spPr>
-          <a:xfrm>
-            <a:off x="670275" y="4064000"/>
-            <a:ext cx="1756800" cy="338700"/>
-          </a:xfrm>
-          <a:prstGeom prst="rect">
-            <a:avLst/>
-          </a:prstGeom>
-          <a:noFill/>
-          <a:ln>
-            <a:noFill/>
-          </a:ln>
-        </p:spPr>
-        <p:txBody>
-          <a:bodyPr anchorCtr="0" anchor="t" bIns="91425" lIns="91425" spcFirstLastPara="1" rIns="91425" wrap="square" tIns="91425">
-            <a:spAutoFit/>
-          </a:bodyPr>
-          <a:lstStyle/>
-          <a:p>
-            <a:pPr indent="0" lvl="0" marL="0" rtl="0" algn="l">
-              <a:spcBef>
-                <a:spcPts val="0"/>
-              </a:spcBef>
-              <a:spcAft>
-                <a:spcPts val="0"/>
-              </a:spcAft>
-              <a:buNone/>
-            </a:pPr>
-            <a:r>
-              <a:rPr lang="en-US" sz="1000">
-                <a:latin typeface="Proxima Nova"/>
-                <a:ea typeface="Proxima Nova"/>
-                <a:cs typeface="Proxima Nova"/>
-                <a:sym typeface="Proxima Nova"/>
-              </a:rPr>
-              <a:t>Silhouette score: 0.21</a:t>
-            </a:r>
-            <a:endParaRPr sz="1000">
-              <a:latin typeface="Proxima Nova"/>
-              <a:ea typeface="Proxima Nova"/>
-              <a:cs typeface="Proxima Nova"/>
-              <a:sym typeface="Proxima Nova"/>
-            </a:endParaRPr>
-          </a:p>
-        </p:txBody>
-      </p:sp>
     </p:spTree>
   </p:cSld>
   <p:clrMapOvr>
@@ -15039,41 +14907,6 @@
                                         <p:cTn dur="1000"/>
                                         <p:tgtEl>
                                           <p:spTgt spid="119"/>
-                                        </p:tgtEl>
-                                      </p:cBhvr>
-                                    </p:animEffect>
-                                  </p:childTnLst>
-                                </p:cTn>
-                              </p:par>
-                              <p:par>
-                                <p:cTn fill="hold" nodeType="withEffect" presetClass="entr" presetID="10" presetSubtype="0">
-                                  <p:stCondLst>
-                                    <p:cond delay="0"/>
-                                  </p:stCondLst>
-                                  <p:childTnLst>
-                                    <p:set>
-                                      <p:cBhvr>
-                                        <p:cTn dur="1" fill="hold">
-                                          <p:stCondLst>
-                                            <p:cond delay="0"/>
-                                          </p:stCondLst>
-                                        </p:cTn>
-                                        <p:tgtEl>
-                                          <p:spTgt spid="125"/>
-                                        </p:tgtEl>
-                                        <p:attrNameLst>
-                                          <p:attrName>style.visibility</p:attrName>
-                                        </p:attrNameLst>
-                                      </p:cBhvr>
-                                      <p:to>
-                                        <p:strVal val="visible"/>
-                                      </p:to>
-                                    </p:set>
-                                    <p:animEffect filter="fade" transition="in">
-                                      <p:cBhvr>
-                                        <p:cTn dur="1000"/>
-                                        <p:tgtEl>
-                                          <p:spTgt spid="125"/>
                                         </p:tgtEl>
                                       </p:cBhvr>
                                     </p:animEffect>
@@ -15222,7 +15055,7 @@
   <p:cSld>
     <p:spTree>
       <p:nvGrpSpPr>
-        <p:cNvPr id="129" name="Shape 129"/>
+        <p:cNvPr id="128" name="Shape 128"/>
         <p:cNvGrpSpPr/>
         <p:nvPr/>
       </p:nvGrpSpPr>
@@ -15236,7 +15069,7 @@
       </p:grpSpPr>
       <p:sp>
         <p:nvSpPr>
-          <p:cNvPr id="130" name="Google Shape;130;g18944ca1100_0_334"/>
+          <p:cNvPr id="129" name="Google Shape;129;g18944ca1100_0_334"/>
           <p:cNvSpPr txBox="1"/>
           <p:nvPr>
             <p:ph type="title"/>
@@ -15284,7 +15117,7 @@
       </p:sp>
       <p:sp>
         <p:nvSpPr>
-          <p:cNvPr id="131" name="Google Shape;131;g18944ca1100_0_334"/>
+          <p:cNvPr id="130" name="Google Shape;130;g18944ca1100_0_334"/>
           <p:cNvSpPr txBox="1"/>
           <p:nvPr>
             <p:ph idx="1" type="body"/>
@@ -15352,7 +15185,7 @@
             </a:pPr>
             <a:r>
               <a:rPr lang="en-US" sz="1500"/>
-              <a:t>extract insights from the dataset (descriptive statistics, network analysis, factor analysis)</a:t>
+              <a:t>extract insights from the dataset (descriptive statistics, network analysis*, factor analysis**)</a:t>
             </a:r>
             <a:endParaRPr sz="1500"/>
           </a:p>
@@ -15498,7 +15331,7 @@
       </p:sp>
       <p:sp>
         <p:nvSpPr>
-          <p:cNvPr id="132" name="Google Shape;132;g18944ca1100_0_334"/>
+          <p:cNvPr id="131" name="Google Shape;131;g18944ca1100_0_334"/>
           <p:cNvSpPr txBox="1"/>
           <p:nvPr/>
         </p:nvSpPr>
@@ -15570,6 +15403,84 @@
               <a:t> for the computing steps.</a:t>
             </a:r>
             <a:endParaRPr>
+              <a:latin typeface="Proxima Nova"/>
+              <a:ea typeface="Proxima Nova"/>
+              <a:cs typeface="Proxima Nova"/>
+              <a:sym typeface="Proxima Nova"/>
+            </a:endParaRPr>
+          </a:p>
+        </p:txBody>
+      </p:sp>
+      <p:sp>
+        <p:nvSpPr>
+          <p:cNvPr id="132" name="Google Shape;132;g18944ca1100_0_334"/>
+          <p:cNvSpPr txBox="1"/>
+          <p:nvPr/>
+        </p:nvSpPr>
+        <p:spPr>
+          <a:xfrm>
+            <a:off x="366900" y="4226275"/>
+            <a:ext cx="3210300" cy="492600"/>
+          </a:xfrm>
+          <a:prstGeom prst="rect">
+            <a:avLst/>
+          </a:prstGeom>
+          <a:noFill/>
+          <a:ln>
+            <a:noFill/>
+          </a:ln>
+        </p:spPr>
+        <p:txBody>
+          <a:bodyPr anchorCtr="0" anchor="t" bIns="91425" lIns="91425" spcFirstLastPara="1" rIns="91425" wrap="square" tIns="91425">
+            <a:spAutoFit/>
+          </a:bodyPr>
+          <a:lstStyle/>
+          <a:p>
+            <a:pPr indent="0" lvl="0" marL="0" rtl="0" algn="l">
+              <a:spcBef>
+                <a:spcPts val="0"/>
+              </a:spcBef>
+              <a:spcAft>
+                <a:spcPts val="0"/>
+              </a:spcAft>
+              <a:buNone/>
+            </a:pPr>
+            <a:r>
+              <a:rPr lang="en-US" sz="1000">
+                <a:latin typeface="Proxima Nova"/>
+                <a:ea typeface="Proxima Nova"/>
+                <a:cs typeface="Proxima Nova"/>
+                <a:sym typeface="Proxima Nova"/>
+              </a:rPr>
+              <a:t>*   Knowledge Graph</a:t>
+            </a:r>
+            <a:endParaRPr sz="1000">
+              <a:latin typeface="Proxima Nova"/>
+              <a:ea typeface="Proxima Nova"/>
+              <a:cs typeface="Proxima Nova"/>
+              <a:sym typeface="Proxima Nova"/>
+            </a:endParaRPr>
+          </a:p>
+          <a:p>
+            <a:pPr indent="0" lvl="0" marL="0" rtl="0" algn="l">
+              <a:spcBef>
+                <a:spcPts val="0"/>
+              </a:spcBef>
+              <a:spcAft>
+                <a:spcPts val="0"/>
+              </a:spcAft>
+              <a:buNone/>
+            </a:pPr>
+            <a:r>
+              <a:rPr lang="en-US" sz="1000">
+                <a:latin typeface="Proxima Nova"/>
+                <a:ea typeface="Proxima Nova"/>
+                <a:cs typeface="Proxima Nova"/>
+                <a:sym typeface="Proxima Nova"/>
+              </a:rPr>
+              <a:t>** Multiple Correspondence Analysis</a:t>
+            </a:r>
+            <a:endParaRPr sz="1000">
               <a:latin typeface="Proxima Nova"/>
               <a:ea typeface="Proxima Nova"/>
               <a:cs typeface="Proxima Nova"/>
@@ -15617,7 +15528,7 @@
                                           </p:stCondLst>
                                         </p:cTn>
                                         <p:tgtEl>
-                                          <p:spTgt spid="131"/>
+                                          <p:spTgt spid="130"/>
                                         </p:tgtEl>
                                         <p:attrNameLst>
                                           <p:attrName>style.visibility</p:attrName>
@@ -15631,7 +15542,51 @@
                                       <p:cBhvr>
                                         <p:cTn dur="1000"/>
                                         <p:tgtEl>
-                                          <p:spTgt spid="131"/>
+                                          <p:spTgt spid="130"/>
+                                        </p:tgtEl>
+                                      </p:cBhvr>
+                                    </p:animEffect>
+                                  </p:childTnLst>
+                                </p:cTn>
+                              </p:par>
+                            </p:childTnLst>
+                          </p:cTn>
+                        </p:par>
+                        <p:par>
+                          <p:cTn fill="hold">
+                            <p:stCondLst>
+                              <p:cond delay="1000"/>
+                            </p:stCondLst>
+                            <p:childTnLst>
+                              <p:par>
+                                <p:cTn fill="hold" nodeType="afterEffect" presetClass="entr" presetID="10" presetSubtype="0">
+                                  <p:stCondLst>
+                                    <p:cond delay="0"/>
+                                  </p:stCondLst>
+                                  <p:childTnLst>
+                                    <p:set>
+                                      <p:cBhvr>
+                                        <p:cTn dur="1" fill="hold">
+                                          <p:stCondLst>
+                                            <p:cond delay="0"/>
+                                          </p:stCondLst>
+                                        </p:cTn>
+                                        <p:tgtEl>
+                                          <p:spTgt spid="132"/>
+                                        </p:tgtEl>
+                                        <p:attrNameLst>
+                                          <p:attrName>style.visibility</p:attrName>
+                                        </p:attrNameLst>
+                                      </p:cBhvr>
+                                      <p:to>
+                                        <p:strVal val="visible"/>
+                                      </p:to>
+                                    </p:set>
+                                    <p:animEffect filter="fade" transition="in">
+                                      <p:cBhvr>
+                                        <p:cTn dur="1000"/>
+                                        <p:tgtEl>
+                                          <p:spTgt spid="132"/>
                                         </p:tgtEl>
                                       </p:cBhvr>
                                     </p:animEffect>
@@ -15670,7 +15625,7 @@
                                           </p:stCondLst>
                                         </p:cTn>
                                         <p:tgtEl>
-                                          <p:spTgt spid="132"/>
+                                          <p:spTgt spid="131"/>
                                         </p:tgtEl>
                                         <p:attrNameLst>
                                           <p:attrName>style.visibility</p:attrName>
@@ -15684,7 +15639,7 @@
                                       <p:cBhvr>
                                         <p:cTn dur="1000"/>
                                         <p:tgtEl>
-                                          <p:spTgt spid="132"/>
+                                          <p:spTgt spid="131"/>
                                         </p:tgtEl>
                                       </p:cBhvr>
                                     </p:animEffect>
@@ -15901,7 +15856,7 @@
             </a:r>
             <a:r>
               <a:rPr lang="en-US"/>
-              <a:t>): developing frontend of the web application and rescheduling notebooks</a:t>
+              <a:t>): developing frontend of the web application and rescheduling notebooks run</a:t>
             </a:r>
             <a:endParaRPr/>
           </a:p>
@@ -16387,6 +16342,285 @@
 </file>
 
 <file path=ppt/theme/theme1.xml><?xml version="1.0" encoding="utf-8"?>
+<a:theme xmlns:a="http://schemas.openxmlformats.org/drawingml/2006/main" xmlns:r="http://schemas.openxmlformats.org/officeDocument/2006/relationships" name="FourthBrain">
+  <a:themeElements>
+    <a:clrScheme name="Simple Light">
+      <a:dk1>
+        <a:srgbClr val="525252"/>
+      </a:dk1>
+      <a:lt1>
+        <a:srgbClr val="FFFFFF"/>
+      </a:lt1>
+      <a:dk2>
+        <a:srgbClr val="525252"/>
+      </a:dk2>
+      <a:lt2>
+        <a:srgbClr val="EEEEEE"/>
+      </a:lt2>
+      <a:accent1>
+        <a:srgbClr val="EC008C"/>
+      </a:accent1>
+      <a:accent2>
+        <a:srgbClr val="212121"/>
+      </a:accent2>
+      <a:accent3>
+        <a:srgbClr val="78909C"/>
+      </a:accent3>
+      <a:accent4>
+        <a:srgbClr val="FFAB40"/>
+      </a:accent4>
+      <a:accent5>
+        <a:srgbClr val="0097A7"/>
+      </a:accent5>
+      <a:accent6>
+        <a:srgbClr val="EEFF41"/>
+      </a:accent6>
+      <a:hlink>
+        <a:srgbClr val="5C7BE6"/>
+      </a:hlink>
+      <a:folHlink>
+        <a:srgbClr val="0097A7"/>
+      </a:folHlink>
+    </a:clrScheme>
+    <a:fontScheme name="Office">
+      <a:majorFont>
+        <a:latin typeface="Arial"/>
+        <a:ea typeface=""/>
+        <a:cs typeface=""/>
+        <a:font script="Jpan" typeface="ＭＳ Ｐゴシック"/>
+        <a:font script="Hang" typeface="맑은 고딕"/>
+        <a:font script="Hans" typeface="宋体"/>
+        <a:font script="Hant" typeface="新細明體"/>
+        <a:font script="Arab" typeface="Times New Roman"/>
+        <a:font script="Hebr" typeface="Times New Roman"/>
+        <a:font script="Thai" typeface="Angsana New"/>
+        <a:font script="Ethi" typeface="Nyala"/>
+        <a:font script="Beng" typeface="Vrinda"/>
+        <a:font script="Gujr" typeface="Shruti"/>
+        <a:font script="Khmr" typeface="MoolBoran"/>
+        <a:font script="Knda" typeface="Tunga"/>
+        <a:font script="Guru" typeface="Raavi"/>
+        <a:font script="Cans" typeface="Euphemia"/>
+        <a:font script="Cher" typeface="Plantagenet Cherokee"/>
+        <a:font script="Yiii" typeface="Microsoft Yi Baiti"/>
+        <a:font script="Tibt" typeface="Microsoft Himalaya"/>
+        <a:font script="Thaa" typeface="MV Boli"/>
+        <a:font script="Deva" typeface="Mangal"/>
+        <a:font script="Telu" typeface="Gautami"/>
+        <a:font script="Taml" typeface="Latha"/>
+        <a:font script="Syrc" typeface="Estrangelo Edessa"/>
+        <a:font script="Orya" typeface="Kalinga"/>
+        <a:font script="Mlym" typeface="Kartika"/>
+        <a:font script="Laoo" typeface="DokChampa"/>
+        <a:font script="Sinh" typeface="Iskoola Pota"/>
+        <a:font script="Mong" typeface="Mongolian Baiti"/>
+        <a:font script="Viet" typeface="Times New Roman"/>
+        <a:font script="Uigh" typeface="Microsoft Uighur"/>
+        <a:font script="Geor" typeface="Sylfaen"/>
+      </a:majorFont>
+      <a:minorFont>
+        <a:latin typeface="Arial"/>
+        <a:ea typeface=""/>
+        <a:cs typeface=""/>
+        <a:font script="Jpan" typeface="ＭＳ Ｐゴシック"/>
+        <a:font script="Hang" typeface="맑은 고딕"/>
+        <a:font script="Hans" typeface="宋体"/>
+        <a:font script="Hant" typeface="新細明體"/>
+        <a:font script="Arab" typeface="Arial"/>
+        <a:font script="Hebr" typeface="Arial"/>
+        <a:font script="Thai" typeface="Cordia New"/>
+        <a:font script="Ethi" typeface="Nyala"/>
+        <a:font script="Beng" typeface="Vrinda"/>
+        <a:font script="Gujr" typeface="Shruti"/>
+        <a:font script="Khmr" typeface="DaunPenh"/>
+        <a:font script="Knda" typeface="Tunga"/>
+        <a:font script="Guru" typeface="Raavi"/>
+        <a:font script="Cans" typeface="Euphemia"/>
+        <a:font script="Cher" typeface="Plantagenet Cherokee"/>
+        <a:font script="Yiii" typeface="Microsoft Yi Baiti"/>
+        <a:font script="Tibt" typeface="Microsoft Himalaya"/>
+        <a:font script="Thaa" typeface="MV Boli"/>
+        <a:font script="Deva" typeface="Mangal"/>
+        <a:font script="Telu" typeface="Gautami"/>
+        <a:font script="Taml" typeface="Latha"/>
+        <a:font script="Syrc" typeface="Estrangelo Edessa"/>
+        <a:font script="Orya" typeface="Kalinga"/>
+        <a:font script="Mlym" typeface="Kartika"/>
+        <a:font script="Laoo" typeface="DokChampa"/>
+        <a:font script="Sinh" typeface="Iskoola Pota"/>
+        <a:font script="Mong" typeface="Mongolian Baiti"/>
+        <a:font script="Viet" typeface="Arial"/>
+        <a:font script="Uigh" typeface="Microsoft Uighur"/>
+        <a:font script="Geor" typeface="Sylfaen"/>
+      </a:minorFont>
+    </a:fontScheme>
+    <a:fmtScheme name="Office">
+      <a:fillStyleLst>
+        <a:solidFill>
+          <a:schemeClr val="phClr"/>
+        </a:solidFill>
+        <a:gradFill rotWithShape="1">
+          <a:gsLst>
+            <a:gs pos="0">
+              <a:schemeClr val="phClr">
+                <a:tint val="50000"/>
+                <a:satMod val="300000"/>
+              </a:schemeClr>
+            </a:gs>
+            <a:gs pos="35000">
+              <a:schemeClr val="phClr">
+                <a:tint val="37000"/>
+                <a:satMod val="300000"/>
+              </a:schemeClr>
+            </a:gs>
+            <a:gs pos="100000">
+              <a:schemeClr val="phClr">
+                <a:tint val="15000"/>
+                <a:satMod val="350000"/>
+              </a:schemeClr>
+            </a:gs>
+          </a:gsLst>
+          <a:lin ang="16200000" scaled="1"/>
+        </a:gradFill>
+        <a:gradFill rotWithShape="1">
+          <a:gsLst>
+            <a:gs pos="0">
+              <a:schemeClr val="phClr">
+                <a:tint val="100000"/>
+                <a:shade val="100000"/>
+                <a:satMod val="130000"/>
+              </a:schemeClr>
+            </a:gs>
+            <a:gs pos="100000">
+              <a:schemeClr val="phClr">
+                <a:tint val="50000"/>
+                <a:shade val="100000"/>
+                <a:satMod val="350000"/>
+              </a:schemeClr>
+            </a:gs>
+          </a:gsLst>
+          <a:lin ang="16200000" scaled="0"/>
+        </a:gradFill>
+      </a:fillStyleLst>
+      <a:lnStyleLst>
+        <a:ln w="9525" cap="flat" cmpd="sng" algn="ctr">
+          <a:solidFill>
+            <a:schemeClr val="phClr">
+              <a:shade val="95000"/>
+              <a:satMod val="105000"/>
+            </a:schemeClr>
+          </a:solidFill>
+          <a:prstDash val="solid"/>
+        </a:ln>
+        <a:ln w="25400" cap="flat" cmpd="sng" algn="ctr">
+          <a:solidFill>
+            <a:schemeClr val="phClr"/>
+          </a:solidFill>
+          <a:prstDash val="solid"/>
+        </a:ln>
+        <a:ln w="38100" cap="flat" cmpd="sng" algn="ctr">
+          <a:solidFill>
+            <a:schemeClr val="phClr"/>
+          </a:solidFill>
+          <a:prstDash val="solid"/>
+        </a:ln>
+      </a:lnStyleLst>
+      <a:effectStyleLst>
+        <a:effectStyle>
+          <a:effectLst>
+            <a:outerShdw blurRad="40000" dist="20000" dir="5400000" rotWithShape="0">
+              <a:srgbClr val="000000">
+                <a:alpha val="38000"/>
+              </a:srgbClr>
+            </a:outerShdw>
+          </a:effectLst>
+        </a:effectStyle>
+        <a:effectStyle>
+          <a:effectLst>
+            <a:outerShdw blurRad="40000" dist="23000" dir="5400000" rotWithShape="0">
+              <a:srgbClr val="000000">
+                <a:alpha val="35000"/>
+              </a:srgbClr>
+            </a:outerShdw>
+          </a:effectLst>
+        </a:effectStyle>
+        <a:effectStyle>
+          <a:effectLst>
+            <a:outerShdw blurRad="40000" dist="23000" dir="5400000" rotWithShape="0">
+              <a:srgbClr val="000000">
+                <a:alpha val="35000"/>
+              </a:srgbClr>
+            </a:outerShdw>
+          </a:effectLst>
+          <a:scene3d>
+            <a:camera prst="orthographicFront">
+              <a:rot lat="0" lon="0" rev="0"/>
+            </a:camera>
+            <a:lightRig rig="threePt" dir="t">
+              <a:rot lat="0" lon="0" rev="1200000"/>
+            </a:lightRig>
+          </a:scene3d>
+          <a:sp3d>
+            <a:bevelT w="63500" h="25400"/>
+          </a:sp3d>
+        </a:effectStyle>
+      </a:effectStyleLst>
+      <a:bgFillStyleLst>
+        <a:solidFill>
+          <a:schemeClr val="phClr"/>
+        </a:solidFill>
+        <a:gradFill rotWithShape="1">
+          <a:gsLst>
+            <a:gs pos="0">
+              <a:schemeClr val="phClr">
+                <a:tint val="40000"/>
+                <a:satMod val="350000"/>
+              </a:schemeClr>
+            </a:gs>
+            <a:gs pos="40000">
+              <a:schemeClr val="phClr">
+                <a:tint val="45000"/>
+                <a:shade val="99000"/>
+                <a:satMod val="350000"/>
+              </a:schemeClr>
+            </a:gs>
+            <a:gs pos="100000">
+              <a:schemeClr val="phClr">
+                <a:shade val="20000"/>
+                <a:satMod val="255000"/>
+              </a:schemeClr>
+            </a:gs>
+          </a:gsLst>
+          <a:path path="circle">
+            <a:fillToRect l="50000" t="-80000" r="50000" b="180000"/>
+          </a:path>
+        </a:gradFill>
+        <a:gradFill rotWithShape="1">
+          <a:gsLst>
+            <a:gs pos="0">
+              <a:schemeClr val="phClr">
+                <a:tint val="80000"/>
+                <a:satMod val="300000"/>
+              </a:schemeClr>
+            </a:gs>
+            <a:gs pos="100000">
+              <a:schemeClr val="phClr">
+                <a:shade val="30000"/>
+                <a:satMod val="200000"/>
+              </a:schemeClr>
+            </a:gs>
+          </a:gsLst>
+          <a:path path="circle">
+            <a:fillToRect l="50000" t="50000" r="50000" b="50000"/>
+          </a:path>
+        </a:gradFill>
+      </a:bgFillStyleLst>
+    </a:fmtScheme>
+  </a:themeElements>
+</a:theme>
+</file>
+
+<file path=ppt/theme/theme2.xml><?xml version="1.0" encoding="utf-8"?>
 <a:theme xmlns:a="http://schemas.openxmlformats.org/drawingml/2006/main" xmlns:r="http://schemas.openxmlformats.org/officeDocument/2006/relationships">
   <a:themeElements>
     <a:clrScheme name="Default">
@@ -16663,283 +16897,4 @@
     </a:fmtScheme>
   </a:themeElements>
 </a:theme>
-</file>
-
-<file path=ppt/theme/theme2.xml><?xml version="1.0" encoding="utf-8"?>
-<a:theme xmlns:a="http://schemas.openxmlformats.org/drawingml/2006/main" xmlns:r="http://schemas.openxmlformats.org/officeDocument/2006/relationships" name="FourthBrain">
-  <a:themeElements>
-    <a:clrScheme name="Simple Light">
-      <a:dk1>
-        <a:srgbClr val="525252"/>
-      </a:dk1>
-      <a:lt1>
-        <a:srgbClr val="FFFFFF"/>
-      </a:lt1>
-      <a:dk2>
-        <a:srgbClr val="525252"/>
-      </a:dk2>
-      <a:lt2>
-        <a:srgbClr val="EEEEEE"/>
-      </a:lt2>
-      <a:accent1>
-        <a:srgbClr val="EC008C"/>
-      </a:accent1>
-      <a:accent2>
-        <a:srgbClr val="212121"/>
-      </a:accent2>
-      <a:accent3>
-        <a:srgbClr val="78909C"/>
-      </a:accent3>
-      <a:accent4>
-        <a:srgbClr val="FFAB40"/>
-      </a:accent4>
-      <a:accent5>
-        <a:srgbClr val="0097A7"/>
-      </a:accent5>
-      <a:accent6>
-        <a:srgbClr val="EEFF41"/>
-      </a:accent6>
-      <a:hlink>
-        <a:srgbClr val="5C7BE6"/>
-      </a:hlink>
-      <a:folHlink>
-        <a:srgbClr val="0097A7"/>
-      </a:folHlink>
-    </a:clrScheme>
-    <a:fontScheme name="Office">
-      <a:majorFont>
-        <a:latin typeface="Arial"/>
-        <a:ea typeface=""/>
-        <a:cs typeface=""/>
-        <a:font script="Jpan" typeface="ＭＳ Ｐゴシック"/>
-        <a:font script="Hang" typeface="맑은 고딕"/>
-        <a:font script="Hans" typeface="宋体"/>
-        <a:font script="Hant" typeface="新細明體"/>
-        <a:font script="Arab" typeface="Times New Roman"/>
-        <a:font script="Hebr" typeface="Times New Roman"/>
-        <a:font script="Thai" typeface="Angsana New"/>
-        <a:font script="Ethi" typeface="Nyala"/>
-        <a:font script="Beng" typeface="Vrinda"/>
-        <a:font script="Gujr" typeface="Shruti"/>
-        <a:font script="Khmr" typeface="MoolBoran"/>
-        <a:font script="Knda" typeface="Tunga"/>
-        <a:font script="Guru" typeface="Raavi"/>
-        <a:font script="Cans" typeface="Euphemia"/>
-        <a:font script="Cher" typeface="Plantagenet Cherokee"/>
-        <a:font script="Yiii" typeface="Microsoft Yi Baiti"/>
-        <a:font script="Tibt" typeface="Microsoft Himalaya"/>
-        <a:font script="Thaa" typeface="MV Boli"/>
-        <a:font script="Deva" typeface="Mangal"/>
-        <a:font script="Telu" typeface="Gautami"/>
-        <a:font script="Taml" typeface="Latha"/>
-        <a:font script="Syrc" typeface="Estrangelo Edessa"/>
-        <a:font script="Orya" typeface="Kalinga"/>
-        <a:font script="Mlym" typeface="Kartika"/>
-        <a:font script="Laoo" typeface="DokChampa"/>
-        <a:font script="Sinh" typeface="Iskoola Pota"/>
-        <a:font script="Mong" typeface="Mongolian Baiti"/>
-        <a:font script="Viet" typeface="Times New Roman"/>
-        <a:font script="Uigh" typeface="Microsoft Uighur"/>
-        <a:font script="Geor" typeface="Sylfaen"/>
-      </a:majorFont>
-      <a:minorFont>
-        <a:latin typeface="Arial"/>
-        <a:ea typeface=""/>
-        <a:cs typeface=""/>
-        <a:font script="Jpan" typeface="ＭＳ Ｐゴシック"/>
-        <a:font script="Hang" typeface="맑은 고딕"/>
-        <a:font script="Hans" typeface="宋体"/>
-        <a:font script="Hant" typeface="新細明體"/>
-        <a:font script="Arab" typeface="Arial"/>
-        <a:font script="Hebr" typeface="Arial"/>
-        <a:font script="Thai" typeface="Cordia New"/>
-        <a:font script="Ethi" typeface="Nyala"/>
-        <a:font script="Beng" typeface="Vrinda"/>
-        <a:font script="Gujr" typeface="Shruti"/>
-        <a:font script="Khmr" typeface="DaunPenh"/>
-        <a:font script="Knda" typeface="Tunga"/>
-        <a:font script="Guru" typeface="Raavi"/>
-        <a:font script="Cans" typeface="Euphemia"/>
-        <a:font script="Cher" typeface="Plantagenet Cherokee"/>
-        <a:font script="Yiii" typeface="Microsoft Yi Baiti"/>
-        <a:font script="Tibt" typeface="Microsoft Himalaya"/>
-        <a:font script="Thaa" typeface="MV Boli"/>
-        <a:font script="Deva" typeface="Mangal"/>
-        <a:font script="Telu" typeface="Gautami"/>
-        <a:font script="Taml" typeface="Latha"/>
-        <a:font script="Syrc" typeface="Estrangelo Edessa"/>
-        <a:font script="Orya" typeface="Kalinga"/>
-        <a:font script="Mlym" typeface="Kartika"/>
-        <a:font script="Laoo" typeface="DokChampa"/>
-        <a:font script="Sinh" typeface="Iskoola Pota"/>
-        <a:font script="Mong" typeface="Mongolian Baiti"/>
-        <a:font script="Viet" typeface="Arial"/>
-        <a:font script="Uigh" typeface="Microsoft Uighur"/>
-        <a:font script="Geor" typeface="Sylfaen"/>
-      </a:minorFont>
-    </a:fontScheme>
-    <a:fmtScheme name="Office">
-      <a:fillStyleLst>
-        <a:solidFill>
-          <a:schemeClr val="phClr"/>
-        </a:solidFill>
-        <a:gradFill rotWithShape="1">
-          <a:gsLst>
-            <a:gs pos="0">
-              <a:schemeClr val="phClr">
-                <a:tint val="50000"/>
-                <a:satMod val="300000"/>
-              </a:schemeClr>
-            </a:gs>
-            <a:gs pos="35000">
-              <a:schemeClr val="phClr">
-                <a:tint val="37000"/>
-                <a:satMod val="300000"/>
-              </a:schemeClr>
-            </a:gs>
-            <a:gs pos="100000">
-              <a:schemeClr val="phClr">
-                <a:tint val="15000"/>
-                <a:satMod val="350000"/>
-              </a:schemeClr>
-            </a:gs>
-          </a:gsLst>
-          <a:lin ang="16200000" scaled="1"/>
-        </a:gradFill>
-        <a:gradFill rotWithShape="1">
-          <a:gsLst>
-            <a:gs pos="0">
-              <a:schemeClr val="phClr">
-                <a:tint val="100000"/>
-                <a:shade val="100000"/>
-                <a:satMod val="130000"/>
-              </a:schemeClr>
-            </a:gs>
-            <a:gs pos="100000">
-              <a:schemeClr val="phClr">
-                <a:tint val="50000"/>
-                <a:shade val="100000"/>
-                <a:satMod val="350000"/>
-              </a:schemeClr>
-            </a:gs>
-          </a:gsLst>
-          <a:lin ang="16200000" scaled="0"/>
-        </a:gradFill>
-      </a:fillStyleLst>
-      <a:lnStyleLst>
-        <a:ln w="9525" cap="flat" cmpd="sng" algn="ctr">
-          <a:solidFill>
-            <a:schemeClr val="phClr">
-              <a:shade val="95000"/>
-              <a:satMod val="105000"/>
-            </a:schemeClr>
-          </a:solidFill>
-          <a:prstDash val="solid"/>
-        </a:ln>
-        <a:ln w="25400" cap="flat" cmpd="sng" algn="ctr">
-          <a:solidFill>
-            <a:schemeClr val="phClr"/>
-          </a:solidFill>
-          <a:prstDash val="solid"/>
-        </a:ln>
-        <a:ln w="38100" cap="flat" cmpd="sng" algn="ctr">
-          <a:solidFill>
-            <a:schemeClr val="phClr"/>
-          </a:solidFill>
-          <a:prstDash val="solid"/>
-        </a:ln>
-      </a:lnStyleLst>
-      <a:effectStyleLst>
-        <a:effectStyle>
-          <a:effectLst>
-            <a:outerShdw blurRad="40000" dist="20000" dir="5400000" rotWithShape="0">
-              <a:srgbClr val="000000">
-                <a:alpha val="38000"/>
-              </a:srgbClr>
-            </a:outerShdw>
-          </a:effectLst>
-        </a:effectStyle>
-        <a:effectStyle>
-          <a:effectLst>
-            <a:outerShdw blurRad="40000" dist="23000" dir="5400000" rotWithShape="0">
-              <a:srgbClr val="000000">
-                <a:alpha val="35000"/>
-              </a:srgbClr>
-            </a:outerShdw>
-          </a:effectLst>
-        </a:effectStyle>
-        <a:effectStyle>
-          <a:effectLst>
-            <a:outerShdw blurRad="40000" dist="23000" dir="5400000" rotWithShape="0">
-              <a:srgbClr val="000000">
-                <a:alpha val="35000"/>
-              </a:srgbClr>
-            </a:outerShdw>
-          </a:effectLst>
-          <a:scene3d>
-            <a:camera prst="orthographicFront">
-              <a:rot lat="0" lon="0" rev="0"/>
-            </a:camera>
-            <a:lightRig rig="threePt" dir="t">
-              <a:rot lat="0" lon="0" rev="1200000"/>
-            </a:lightRig>
-          </a:scene3d>
-          <a:sp3d>
-            <a:bevelT w="63500" h="25400"/>
-          </a:sp3d>
-        </a:effectStyle>
-      </a:effectStyleLst>
-      <a:bgFillStyleLst>
-        <a:solidFill>
-          <a:schemeClr val="phClr"/>
-        </a:solidFill>
-        <a:gradFill rotWithShape="1">
-          <a:gsLst>
-            <a:gs pos="0">
-              <a:schemeClr val="phClr">
-                <a:tint val="40000"/>
-                <a:satMod val="350000"/>
-              </a:schemeClr>
-            </a:gs>
-            <a:gs pos="40000">
-              <a:schemeClr val="phClr">
-                <a:tint val="45000"/>
-                <a:shade val="99000"/>
-                <a:satMod val="350000"/>
-              </a:schemeClr>
-            </a:gs>
-            <a:gs pos="100000">
-              <a:schemeClr val="phClr">
-                <a:shade val="20000"/>
-                <a:satMod val="255000"/>
-              </a:schemeClr>
-            </a:gs>
-          </a:gsLst>
-          <a:path path="circle">
-            <a:fillToRect l="50000" t="-80000" r="50000" b="180000"/>
-          </a:path>
-        </a:gradFill>
-        <a:gradFill rotWithShape="1">
-          <a:gsLst>
-            <a:gs pos="0">
-              <a:schemeClr val="phClr">
-                <a:tint val="80000"/>
-                <a:satMod val="300000"/>
-              </a:schemeClr>
-            </a:gs>
-            <a:gs pos="100000">
-              <a:schemeClr val="phClr">
-                <a:shade val="30000"/>
-                <a:satMod val="200000"/>
-              </a:schemeClr>
-            </a:gs>
-          </a:gsLst>
-          <a:path path="circle">
-            <a:fillToRect l="50000" t="50000" r="50000" b="50000"/>
-          </a:path>
-        </a:gradFill>
-      </a:bgFillStyleLst>
-    </a:fmtScheme>
-  </a:themeElements>
-</a:theme>
 </file>